--- a/elastic-job-lite/elastic-job.pptx
+++ b/elastic-job-lite/elastic-job.pptx
@@ -7,8 +7,14 @@
   <p:sldIdLst>
     <p:sldId id="256" r:id="rId2"/>
     <p:sldId id="257" r:id="rId3"/>
-    <p:sldId id="258" r:id="rId4"/>
-    <p:sldId id="259" r:id="rId5"/>
+    <p:sldId id="260" r:id="rId4"/>
+    <p:sldId id="258" r:id="rId5"/>
+    <p:sldId id="265" r:id="rId6"/>
+    <p:sldId id="263" r:id="rId7"/>
+    <p:sldId id="264" r:id="rId8"/>
+    <p:sldId id="259" r:id="rId9"/>
+    <p:sldId id="261" r:id="rId10"/>
+    <p:sldId id="262" r:id="rId11"/>
   </p:sldIdLst>
   <p:sldSz cx="9144000" cy="6858000" type="screen4x3"/>
   <p:notesSz cx="6858000" cy="9144000"/>
@@ -291,7 +297,7 @@
           <a:p>
             <a:fld id="{530820CF-B880-4189-942D-D702A7CBA730}" type="datetimeFigureOut">
               <a:rPr lang="zh-CN" altLang="en-US" smtClean="0"/>
-              <a:t>2018/4/18</a:t>
+              <a:t>2018/4/19</a:t>
             </a:fld>
             <a:endParaRPr lang="zh-CN" altLang="en-US"/>
           </a:p>
@@ -456,7 +462,7 @@
           <a:p>
             <a:fld id="{530820CF-B880-4189-942D-D702A7CBA730}" type="datetimeFigureOut">
               <a:rPr lang="zh-CN" altLang="en-US" smtClean="0"/>
-              <a:t>2018/4/18</a:t>
+              <a:t>2018/4/19</a:t>
             </a:fld>
             <a:endParaRPr lang="zh-CN" altLang="en-US"/>
           </a:p>
@@ -631,7 +637,7 @@
           <a:p>
             <a:fld id="{530820CF-B880-4189-942D-D702A7CBA730}" type="datetimeFigureOut">
               <a:rPr lang="zh-CN" altLang="en-US" smtClean="0"/>
-              <a:t>2018/4/18</a:t>
+              <a:t>2018/4/19</a:t>
             </a:fld>
             <a:endParaRPr lang="zh-CN" altLang="en-US"/>
           </a:p>
@@ -796,7 +802,7 @@
           <a:p>
             <a:fld id="{530820CF-B880-4189-942D-D702A7CBA730}" type="datetimeFigureOut">
               <a:rPr lang="zh-CN" altLang="en-US" smtClean="0"/>
-              <a:t>2018/4/18</a:t>
+              <a:t>2018/4/19</a:t>
             </a:fld>
             <a:endParaRPr lang="zh-CN" altLang="en-US"/>
           </a:p>
@@ -1037,7 +1043,7 @@
           <a:p>
             <a:fld id="{530820CF-B880-4189-942D-D702A7CBA730}" type="datetimeFigureOut">
               <a:rPr lang="zh-CN" altLang="en-US" smtClean="0"/>
-              <a:t>2018/4/18</a:t>
+              <a:t>2018/4/19</a:t>
             </a:fld>
             <a:endParaRPr lang="zh-CN" altLang="en-US"/>
           </a:p>
@@ -1320,7 +1326,7 @@
           <a:p>
             <a:fld id="{530820CF-B880-4189-942D-D702A7CBA730}" type="datetimeFigureOut">
               <a:rPr lang="zh-CN" altLang="en-US" smtClean="0"/>
-              <a:t>2018/4/18</a:t>
+              <a:t>2018/4/19</a:t>
             </a:fld>
             <a:endParaRPr lang="zh-CN" altLang="en-US"/>
           </a:p>
@@ -1737,7 +1743,7 @@
           <a:p>
             <a:fld id="{530820CF-B880-4189-942D-D702A7CBA730}" type="datetimeFigureOut">
               <a:rPr lang="zh-CN" altLang="en-US" smtClean="0"/>
-              <a:t>2018/4/18</a:t>
+              <a:t>2018/4/19</a:t>
             </a:fld>
             <a:endParaRPr lang="zh-CN" altLang="en-US"/>
           </a:p>
@@ -1850,7 +1856,7 @@
           <a:p>
             <a:fld id="{530820CF-B880-4189-942D-D702A7CBA730}" type="datetimeFigureOut">
               <a:rPr lang="zh-CN" altLang="en-US" smtClean="0"/>
-              <a:t>2018/4/18</a:t>
+              <a:t>2018/4/19</a:t>
             </a:fld>
             <a:endParaRPr lang="zh-CN" altLang="en-US"/>
           </a:p>
@@ -1940,7 +1946,7 @@
           <a:p>
             <a:fld id="{530820CF-B880-4189-942D-D702A7CBA730}" type="datetimeFigureOut">
               <a:rPr lang="zh-CN" altLang="en-US" smtClean="0"/>
-              <a:t>2018/4/18</a:t>
+              <a:t>2018/4/19</a:t>
             </a:fld>
             <a:endParaRPr lang="zh-CN" altLang="en-US"/>
           </a:p>
@@ -2212,7 +2218,7 @@
           <a:p>
             <a:fld id="{530820CF-B880-4189-942D-D702A7CBA730}" type="datetimeFigureOut">
               <a:rPr lang="zh-CN" altLang="en-US" smtClean="0"/>
-              <a:t>2018/4/18</a:t>
+              <a:t>2018/4/19</a:t>
             </a:fld>
             <a:endParaRPr lang="zh-CN" altLang="en-US"/>
           </a:p>
@@ -2460,7 +2466,7 @@
           <a:p>
             <a:fld id="{530820CF-B880-4189-942D-D702A7CBA730}" type="datetimeFigureOut">
               <a:rPr lang="zh-CN" altLang="en-US" smtClean="0"/>
-              <a:t>2018/4/18</a:t>
+              <a:t>2018/4/19</a:t>
             </a:fld>
             <a:endParaRPr lang="zh-CN" altLang="en-US"/>
           </a:p>
@@ -2668,7 +2674,7 @@
           <a:p>
             <a:fld id="{530820CF-B880-4189-942D-D702A7CBA730}" type="datetimeFigureOut">
               <a:rPr lang="zh-CN" altLang="en-US" smtClean="0"/>
-              <a:t>2018/4/18</a:t>
+              <a:t>2018/4/19</a:t>
             </a:fld>
             <a:endParaRPr lang="zh-CN" altLang="en-US"/>
           </a:p>
@@ -3093,6 +3099,85 @@
 </p:sld>
 </file>
 
+<file path=ppt/slides/slide10.xml><?xml version="1.0" encoding="utf-8"?>
+<p:sld xmlns:a="http://schemas.openxmlformats.org/drawingml/2006/main" xmlns:r="http://schemas.openxmlformats.org/officeDocument/2006/relationships" xmlns:p="http://schemas.openxmlformats.org/presentationml/2006/main">
+  <p:cSld>
+    <p:spTree>
+      <p:nvGrpSpPr>
+        <p:cNvPr id="1" name=""/>
+        <p:cNvGrpSpPr/>
+        <p:nvPr/>
+      </p:nvGrpSpPr>
+      <p:grpSpPr>
+        <a:xfrm>
+          <a:off x="0" y="0"/>
+          <a:ext cx="0" cy="0"/>
+          <a:chOff x="0" y="0"/>
+          <a:chExt cx="0" cy="0"/>
+        </a:xfrm>
+      </p:grpSpPr>
+      <p:sp>
+        <p:nvSpPr>
+          <p:cNvPr id="2" name="标题 1"/>
+          <p:cNvSpPr>
+            <a:spLocks noGrp="1"/>
+          </p:cNvSpPr>
+          <p:nvPr>
+            <p:ph type="title"/>
+          </p:nvPr>
+        </p:nvSpPr>
+        <p:spPr/>
+        <p:txBody>
+          <a:bodyPr/>
+          <a:lstStyle/>
+          <a:p>
+            <a:r>
+              <a:rPr lang="zh-CN" altLang="en-US" dirty="0" smtClean="0"/>
+              <a:t>任务分片</a:t>
+            </a:r>
+            <a:endParaRPr lang="zh-CN" altLang="en-US" dirty="0"/>
+          </a:p>
+        </p:txBody>
+      </p:sp>
+      <p:sp>
+        <p:nvSpPr>
+          <p:cNvPr id="3" name="内容占位符 2"/>
+          <p:cNvSpPr>
+            <a:spLocks noGrp="1"/>
+          </p:cNvSpPr>
+          <p:nvPr>
+            <p:ph idx="1"/>
+          </p:nvPr>
+        </p:nvSpPr>
+        <p:spPr/>
+        <p:txBody>
+          <a:bodyPr/>
+          <a:lstStyle/>
+          <a:p>
+            <a:endParaRPr lang="zh-CN" altLang="en-US" dirty="0"/>
+          </a:p>
+        </p:txBody>
+      </p:sp>
+    </p:spTree>
+    <p:extLst>
+      <p:ext uri="{BB962C8B-B14F-4D97-AF65-F5344CB8AC3E}">
+        <p14:creationId xmlns:p14="http://schemas.microsoft.com/office/powerpoint/2010/main" val="4054452652"/>
+      </p:ext>
+    </p:extLst>
+  </p:cSld>
+  <p:clrMapOvr>
+    <a:masterClrMapping/>
+  </p:clrMapOvr>
+  <p:timing>
+    <p:tnLst>
+      <p:par>
+        <p:cTn id="1" dur="indefinite" restart="never" nodeType="tmRoot"/>
+      </p:par>
+    </p:tnLst>
+  </p:timing>
+</p:sld>
+</file>
+
 <file path=ppt/slides/slide2.xml><?xml version="1.0" encoding="utf-8"?>
 <p:sld xmlns:a="http://schemas.openxmlformats.org/drawingml/2006/main" xmlns:r="http://schemas.openxmlformats.org/officeDocument/2006/relationships" xmlns:p="http://schemas.openxmlformats.org/presentationml/2006/main">
   <p:cSld>
@@ -3278,7 +3363,7 @@
           <a:p>
             <a:r>
               <a:rPr lang="zh-CN" altLang="en-US" dirty="0" smtClean="0"/>
-              <a:t>功能</a:t>
+              <a:t>解决了什么问题</a:t>
             </a:r>
             <a:endParaRPr lang="zh-CN" altLang="en-US" dirty="0"/>
           </a:p>
@@ -3294,88 +3379,59 @@
             <p:ph idx="1"/>
           </p:nvPr>
         </p:nvSpPr>
-        <p:spPr>
-          <a:xfrm>
-            <a:off x="457200" y="1124744"/>
-            <a:ext cx="8229600" cy="5328592"/>
-          </a:xfrm>
-        </p:spPr>
+        <p:spPr/>
         <p:txBody>
           <a:bodyPr>
-            <a:normAutofit fontScale="85000" lnSpcReduction="20000"/>
+            <a:normAutofit/>
           </a:bodyPr>
           <a:lstStyle/>
           <a:p>
             <a:r>
+              <a:rPr lang="zh-CN" altLang="en-US" dirty="0" smtClean="0"/>
+              <a:t>无单节点故障、弹性</a:t>
+            </a:r>
+            <a:r>
               <a:rPr lang="zh-CN" altLang="en-US" dirty="0"/>
-              <a:t>分布式调度协调</a:t>
-            </a:r>
-          </a:p>
-          <a:p>
+              <a:t>，水平扩展很好</a:t>
+            </a:r>
+            <a:endParaRPr lang="en-US" altLang="zh-CN" dirty="0" smtClean="0"/>
+          </a:p>
+          <a:p>
+            <a:endParaRPr lang="en-US" altLang="zh-CN" dirty="0" smtClean="0"/>
+          </a:p>
+          <a:p>
+            <a:r>
+              <a:rPr lang="zh-CN" altLang="en-US" dirty="0" smtClean="0"/>
+              <a:t>任务分片（可自定义分片策略）</a:t>
+            </a:r>
+            <a:endParaRPr lang="en-US" altLang="zh-CN" dirty="0" smtClean="0"/>
+          </a:p>
+          <a:p>
+            <a:endParaRPr lang="en-US" altLang="zh-CN" dirty="0" smtClean="0"/>
+          </a:p>
+          <a:p>
+            <a:r>
+              <a:rPr lang="zh-CN" altLang="en-US" dirty="0" smtClean="0"/>
+              <a:t>任务</a:t>
+            </a:r>
             <a:r>
               <a:rPr lang="zh-CN" altLang="en-US" dirty="0"/>
-              <a:t>弹性扩容缩容</a:t>
-            </a:r>
-          </a:p>
-          <a:p>
-            <a:r>
-              <a:rPr lang="zh-CN" altLang="en-US" dirty="0"/>
+              <a:t>分片</a:t>
+            </a:r>
+            <a:r>
+              <a:rPr lang="zh-CN" altLang="en-US" dirty="0" smtClean="0"/>
               <a:t>失效转移</a:t>
             </a:r>
-          </a:p>
-          <a:p>
-            <a:r>
-              <a:rPr lang="zh-CN" altLang="en-US" dirty="0"/>
-              <a:t>错过执行作业重触发</a:t>
-            </a:r>
-          </a:p>
-          <a:p>
-            <a:r>
-              <a:rPr lang="zh-CN" altLang="en-US" dirty="0"/>
-              <a:t>作业分片一致性，保证同一分片在分布式环境中仅一个执行实例</a:t>
-            </a:r>
-          </a:p>
-          <a:p>
-            <a:r>
-              <a:rPr lang="zh-CN" altLang="en-US" dirty="0"/>
-              <a:t>自诊断并修复分布式不稳定造成的问题</a:t>
-            </a:r>
-          </a:p>
-          <a:p>
-            <a:r>
-              <a:rPr lang="zh-CN" altLang="en-US" dirty="0"/>
-              <a:t>支持并行调度</a:t>
-            </a:r>
-          </a:p>
-          <a:p>
-            <a:r>
-              <a:rPr lang="zh-CN" altLang="en-US" dirty="0"/>
-              <a:t>支持作业生命周期操作</a:t>
-            </a:r>
-          </a:p>
-          <a:p>
-            <a:r>
-              <a:rPr lang="zh-CN" altLang="en-US" dirty="0"/>
-              <a:t>丰富的作业类型</a:t>
-            </a:r>
-          </a:p>
-          <a:p>
-            <a:r>
-              <a:rPr lang="en-US" altLang="zh-CN" dirty="0"/>
-              <a:t>Spring</a:t>
-            </a:r>
-            <a:r>
-              <a:rPr lang="zh-CN" altLang="en-US" dirty="0"/>
-              <a:t>整合以及命名空间提供</a:t>
-            </a:r>
-          </a:p>
-          <a:p>
-            <a:r>
-              <a:rPr lang="zh-CN" altLang="en-US" dirty="0"/>
-              <a:t>运维平台</a:t>
-            </a:r>
-          </a:p>
-          <a:p>
+            <a:endParaRPr lang="en-US" altLang="zh-CN" dirty="0" smtClean="0"/>
+          </a:p>
+          <a:p>
+            <a:endParaRPr lang="en-US" altLang="zh-CN" dirty="0" smtClean="0"/>
+          </a:p>
+          <a:p>
+            <a:r>
+              <a:rPr lang="zh-CN" altLang="en-US" dirty="0" smtClean="0"/>
+              <a:t>监控治理</a:t>
+            </a:r>
             <a:endParaRPr lang="zh-CN" altLang="en-US" dirty="0"/>
           </a:p>
         </p:txBody>
@@ -3383,7 +3439,7 @@
     </p:spTree>
     <p:extLst>
       <p:ext uri="{BB962C8B-B14F-4D97-AF65-F5344CB8AC3E}">
-        <p14:creationId xmlns:p14="http://schemas.microsoft.com/office/powerpoint/2010/main" val="793362391"/>
+        <p14:creationId xmlns:p14="http://schemas.microsoft.com/office/powerpoint/2010/main" val="2268771838"/>
       </p:ext>
     </p:extLst>
   </p:cSld>
@@ -3420,6 +3476,497 @@
             <p:ph type="title"/>
           </p:nvPr>
         </p:nvSpPr>
+        <p:spPr/>
+        <p:txBody>
+          <a:bodyPr/>
+          <a:lstStyle/>
+          <a:p>
+            <a:r>
+              <a:rPr lang="zh-CN" altLang="en-US" dirty="0" smtClean="0"/>
+              <a:t>有什么功能</a:t>
+            </a:r>
+            <a:endParaRPr lang="zh-CN" altLang="en-US" dirty="0"/>
+          </a:p>
+        </p:txBody>
+      </p:sp>
+      <p:sp>
+        <p:nvSpPr>
+          <p:cNvPr id="3" name="内容占位符 2"/>
+          <p:cNvSpPr>
+            <a:spLocks noGrp="1"/>
+          </p:cNvSpPr>
+          <p:nvPr>
+            <p:ph idx="1"/>
+          </p:nvPr>
+        </p:nvSpPr>
+        <p:spPr>
+          <a:xfrm>
+            <a:off x="457200" y="1124744"/>
+            <a:ext cx="8229600" cy="5328592"/>
+          </a:xfrm>
+        </p:spPr>
+        <p:txBody>
+          <a:bodyPr>
+            <a:normAutofit fontScale="85000" lnSpcReduction="20000"/>
+          </a:bodyPr>
+          <a:lstStyle/>
+          <a:p>
+            <a:r>
+              <a:rPr lang="zh-CN" altLang="en-US" dirty="0"/>
+              <a:t>分布式调度协调</a:t>
+            </a:r>
+          </a:p>
+          <a:p>
+            <a:r>
+              <a:rPr lang="zh-CN" altLang="en-US" dirty="0"/>
+              <a:t>弹性扩容缩容</a:t>
+            </a:r>
+          </a:p>
+          <a:p>
+            <a:r>
+              <a:rPr lang="zh-CN" altLang="en-US" dirty="0"/>
+              <a:t>失效转移</a:t>
+            </a:r>
+          </a:p>
+          <a:p>
+            <a:r>
+              <a:rPr lang="zh-CN" altLang="en-US" dirty="0"/>
+              <a:t>错过执行作业重触发</a:t>
+            </a:r>
+          </a:p>
+          <a:p>
+            <a:r>
+              <a:rPr lang="zh-CN" altLang="en-US" dirty="0"/>
+              <a:t>作业分片一致性，保证同一分片在分布式环境中仅一个执行实例</a:t>
+            </a:r>
+          </a:p>
+          <a:p>
+            <a:r>
+              <a:rPr lang="zh-CN" altLang="en-US" dirty="0"/>
+              <a:t>自诊断并修复分布式不稳定造成的问题</a:t>
+            </a:r>
+          </a:p>
+          <a:p>
+            <a:r>
+              <a:rPr lang="zh-CN" altLang="en-US" dirty="0"/>
+              <a:t>支持并行调度</a:t>
+            </a:r>
+          </a:p>
+          <a:p>
+            <a:r>
+              <a:rPr lang="zh-CN" altLang="en-US" dirty="0"/>
+              <a:t>支持作业生命周期操作</a:t>
+            </a:r>
+          </a:p>
+          <a:p>
+            <a:r>
+              <a:rPr lang="zh-CN" altLang="en-US" dirty="0"/>
+              <a:t>丰富的作业类型</a:t>
+            </a:r>
+          </a:p>
+          <a:p>
+            <a:r>
+              <a:rPr lang="en-US" altLang="zh-CN" dirty="0"/>
+              <a:t>Spring</a:t>
+            </a:r>
+            <a:r>
+              <a:rPr lang="zh-CN" altLang="en-US" dirty="0"/>
+              <a:t>整合以及命名空间提供</a:t>
+            </a:r>
+          </a:p>
+          <a:p>
+            <a:r>
+              <a:rPr lang="zh-CN" altLang="en-US" dirty="0"/>
+              <a:t>运维平台</a:t>
+            </a:r>
+          </a:p>
+          <a:p>
+            <a:endParaRPr lang="zh-CN" altLang="en-US" dirty="0"/>
+          </a:p>
+        </p:txBody>
+      </p:sp>
+      <p:sp>
+        <p:nvSpPr>
+          <p:cNvPr id="4" name="矩形 3"/>
+          <p:cNvSpPr/>
+          <p:nvPr/>
+        </p:nvSpPr>
+        <p:spPr>
+          <a:xfrm>
+            <a:off x="4018002" y="3244334"/>
+            <a:ext cx="1107996" cy="369332"/>
+          </a:xfrm>
+          <a:prstGeom prst="rect">
+            <a:avLst/>
+          </a:prstGeom>
+        </p:spPr>
+        <p:txBody>
+          <a:bodyPr wrap="none">
+            <a:spAutoFit/>
+          </a:bodyPr>
+          <a:lstStyle/>
+          <a:p>
+            <a:r>
+              <a:rPr lang="zh-CN" altLang="en-US" dirty="0"/>
+              <a:t>作业启动</a:t>
+            </a:r>
+          </a:p>
+        </p:txBody>
+      </p:sp>
+    </p:spTree>
+    <p:extLst>
+      <p:ext uri="{BB962C8B-B14F-4D97-AF65-F5344CB8AC3E}">
+        <p14:creationId xmlns:p14="http://schemas.microsoft.com/office/powerpoint/2010/main" val="793362391"/>
+      </p:ext>
+    </p:extLst>
+  </p:cSld>
+  <p:clrMapOvr>
+    <a:masterClrMapping/>
+  </p:clrMapOvr>
+  <p:timing>
+    <p:tnLst>
+      <p:par>
+        <p:cTn id="1" dur="indefinite" restart="never" nodeType="tmRoot"/>
+      </p:par>
+    </p:tnLst>
+  </p:timing>
+</p:sld>
+</file>
+
+<file path=ppt/slides/slide5.xml><?xml version="1.0" encoding="utf-8"?>
+<p:sld xmlns:a="http://schemas.openxmlformats.org/drawingml/2006/main" xmlns:r="http://schemas.openxmlformats.org/officeDocument/2006/relationships" xmlns:p="http://schemas.openxmlformats.org/presentationml/2006/main">
+  <p:cSld>
+    <p:spTree>
+      <p:nvGrpSpPr>
+        <p:cNvPr id="1" name=""/>
+        <p:cNvGrpSpPr/>
+        <p:nvPr/>
+      </p:nvGrpSpPr>
+      <p:grpSpPr>
+        <a:xfrm>
+          <a:off x="0" y="0"/>
+          <a:ext cx="0" cy="0"/>
+          <a:chOff x="0" y="0"/>
+          <a:chExt cx="0" cy="0"/>
+        </a:xfrm>
+      </p:grpSpPr>
+      <p:sp>
+        <p:nvSpPr>
+          <p:cNvPr id="2" name="标题 1"/>
+          <p:cNvSpPr>
+            <a:spLocks noGrp="1"/>
+          </p:cNvSpPr>
+          <p:nvPr>
+            <p:ph type="title"/>
+          </p:nvPr>
+        </p:nvSpPr>
+        <p:spPr/>
+        <p:txBody>
+          <a:bodyPr/>
+          <a:lstStyle/>
+          <a:p>
+            <a:r>
+              <a:rPr lang="zh-CN" altLang="en-US" dirty="0" smtClean="0"/>
+              <a:t>原理</a:t>
+            </a:r>
+            <a:endParaRPr lang="zh-CN" altLang="en-US" dirty="0"/>
+          </a:p>
+        </p:txBody>
+      </p:sp>
+      <p:sp>
+        <p:nvSpPr>
+          <p:cNvPr id="3" name="内容占位符 2"/>
+          <p:cNvSpPr>
+            <a:spLocks noGrp="1"/>
+          </p:cNvSpPr>
+          <p:nvPr>
+            <p:ph idx="1"/>
+          </p:nvPr>
+        </p:nvSpPr>
+        <p:spPr/>
+        <p:txBody>
+          <a:bodyPr/>
+          <a:lstStyle/>
+          <a:p>
+            <a:endParaRPr lang="zh-CN" altLang="en-US"/>
+          </a:p>
+        </p:txBody>
+      </p:sp>
+    </p:spTree>
+    <p:extLst>
+      <p:ext uri="{BB962C8B-B14F-4D97-AF65-F5344CB8AC3E}">
+        <p14:creationId xmlns:p14="http://schemas.microsoft.com/office/powerpoint/2010/main" val="277756130"/>
+      </p:ext>
+    </p:extLst>
+  </p:cSld>
+  <p:clrMapOvr>
+    <a:masterClrMapping/>
+  </p:clrMapOvr>
+</p:sld>
+</file>
+
+<file path=ppt/slides/slide6.xml><?xml version="1.0" encoding="utf-8"?>
+<p:sld xmlns:a="http://schemas.openxmlformats.org/drawingml/2006/main" xmlns:r="http://schemas.openxmlformats.org/officeDocument/2006/relationships" xmlns:p="http://schemas.openxmlformats.org/presentationml/2006/main">
+  <p:cSld>
+    <p:spTree>
+      <p:nvGrpSpPr>
+        <p:cNvPr id="1" name=""/>
+        <p:cNvGrpSpPr/>
+        <p:nvPr/>
+      </p:nvGrpSpPr>
+      <p:grpSpPr>
+        <a:xfrm>
+          <a:off x="0" y="0"/>
+          <a:ext cx="0" cy="0"/>
+          <a:chOff x="0" y="0"/>
+          <a:chExt cx="0" cy="0"/>
+        </a:xfrm>
+      </p:grpSpPr>
+      <p:sp>
+        <p:nvSpPr>
+          <p:cNvPr id="2" name="标题 1"/>
+          <p:cNvSpPr>
+            <a:spLocks noGrp="1"/>
+          </p:cNvSpPr>
+          <p:nvPr>
+            <p:ph type="title"/>
+          </p:nvPr>
+        </p:nvSpPr>
+        <p:spPr>
+          <a:xfrm>
+            <a:off x="467544" y="44624"/>
+            <a:ext cx="8229600" cy="360040"/>
+          </a:xfrm>
+        </p:spPr>
+        <p:txBody>
+          <a:bodyPr>
+            <a:noAutofit/>
+          </a:bodyPr>
+          <a:lstStyle/>
+          <a:p>
+            <a:r>
+              <a:rPr lang="zh-CN" altLang="en-US" sz="2400" b="1" dirty="0">
+                <a:latin typeface="微软雅黑" panose="020B0503020204020204" pitchFamily="34" charset="-122"/>
+                <a:ea typeface="微软雅黑" panose="020B0503020204020204" pitchFamily="34" charset="-122"/>
+              </a:rPr>
+              <a:t>作业</a:t>
+            </a:r>
+            <a:r>
+              <a:rPr lang="zh-CN" altLang="en-US" sz="2400" b="1" dirty="0" smtClean="0">
+                <a:latin typeface="微软雅黑" panose="020B0503020204020204" pitchFamily="34" charset="-122"/>
+                <a:ea typeface="微软雅黑" panose="020B0503020204020204" pitchFamily="34" charset="-122"/>
+              </a:rPr>
+              <a:t>启动</a:t>
+            </a:r>
+            <a:endParaRPr lang="zh-CN" altLang="en-US" sz="2400" b="1" dirty="0">
+              <a:latin typeface="微软雅黑" panose="020B0503020204020204" pitchFamily="34" charset="-122"/>
+              <a:ea typeface="微软雅黑" panose="020B0503020204020204" pitchFamily="34" charset="-122"/>
+            </a:endParaRPr>
+          </a:p>
+        </p:txBody>
+      </p:sp>
+      <p:pic>
+        <p:nvPicPr>
+          <p:cNvPr id="1026" name="Picture 2" descr="C:\Users\fan79\Desktop\job_start.jpg"/>
+          <p:cNvPicPr>
+            <a:picLocks noChangeAspect="1" noChangeArrowheads="1"/>
+          </p:cNvPicPr>
+          <p:nvPr/>
+        </p:nvPicPr>
+        <p:blipFill>
+          <a:blip r:embed="rId2">
+            <a:extLst>
+              <a:ext uri="{28A0092B-C50C-407E-A947-70E740481C1C}">
+                <a14:useLocalDpi xmlns:a14="http://schemas.microsoft.com/office/drawing/2010/main" val="0"/>
+              </a:ext>
+            </a:extLst>
+          </a:blip>
+          <a:srcRect/>
+          <a:stretch>
+            <a:fillRect/>
+          </a:stretch>
+        </p:blipFill>
+        <p:spPr bwMode="auto">
+          <a:xfrm>
+            <a:off x="3275856" y="404664"/>
+            <a:ext cx="2392740" cy="6380789"/>
+          </a:xfrm>
+          <a:prstGeom prst="rect">
+            <a:avLst/>
+          </a:prstGeom>
+          <a:noFill/>
+          <a:extLst>
+            <a:ext uri="{909E8E84-426E-40DD-AFC4-6F175D3DCCD1}">
+              <a14:hiddenFill xmlns:a14="http://schemas.microsoft.com/office/drawing/2010/main">
+                <a:solidFill>
+                  <a:srgbClr val="FFFFFF"/>
+                </a:solidFill>
+              </a14:hiddenFill>
+            </a:ext>
+          </a:extLst>
+        </p:spPr>
+      </p:pic>
+    </p:spTree>
+    <p:extLst>
+      <p:ext uri="{BB962C8B-B14F-4D97-AF65-F5344CB8AC3E}">
+        <p14:creationId xmlns:p14="http://schemas.microsoft.com/office/powerpoint/2010/main" val="124511986"/>
+      </p:ext>
+    </p:extLst>
+  </p:cSld>
+  <p:clrMapOvr>
+    <a:masterClrMapping/>
+  </p:clrMapOvr>
+  <p:timing>
+    <p:tnLst>
+      <p:par>
+        <p:cTn id="1" dur="indefinite" restart="never" nodeType="tmRoot"/>
+      </p:par>
+    </p:tnLst>
+  </p:timing>
+</p:sld>
+</file>
+
+<file path=ppt/slides/slide7.xml><?xml version="1.0" encoding="utf-8"?>
+<p:sld xmlns:a="http://schemas.openxmlformats.org/drawingml/2006/main" xmlns:r="http://schemas.openxmlformats.org/officeDocument/2006/relationships" xmlns:p="http://schemas.openxmlformats.org/presentationml/2006/main">
+  <p:cSld>
+    <p:spTree>
+      <p:nvGrpSpPr>
+        <p:cNvPr id="1" name=""/>
+        <p:cNvGrpSpPr/>
+        <p:nvPr/>
+      </p:nvGrpSpPr>
+      <p:grpSpPr>
+        <a:xfrm>
+          <a:off x="0" y="0"/>
+          <a:ext cx="0" cy="0"/>
+          <a:chOff x="0" y="0"/>
+          <a:chExt cx="0" cy="0"/>
+        </a:xfrm>
+      </p:grpSpPr>
+      <p:sp>
+        <p:nvSpPr>
+          <p:cNvPr id="2" name="标题 1"/>
+          <p:cNvSpPr>
+            <a:spLocks noGrp="1"/>
+          </p:cNvSpPr>
+          <p:nvPr>
+            <p:ph type="title"/>
+          </p:nvPr>
+        </p:nvSpPr>
+        <p:spPr>
+          <a:xfrm>
+            <a:off x="457200" y="274638"/>
+            <a:ext cx="8229600" cy="490066"/>
+          </a:xfrm>
+        </p:spPr>
+        <p:txBody>
+          <a:bodyPr>
+            <a:normAutofit/>
+          </a:bodyPr>
+          <a:lstStyle/>
+          <a:p>
+            <a:r>
+              <a:rPr lang="zh-CN" altLang="en-US" sz="2400" b="1" dirty="0" smtClean="0">
+                <a:latin typeface="微软雅黑" panose="020B0503020204020204" pitchFamily="34" charset="-122"/>
+                <a:ea typeface="微软雅黑" panose="020B0503020204020204" pitchFamily="34" charset="-122"/>
+              </a:rPr>
+              <a:t>作业执行</a:t>
+            </a:r>
+            <a:endParaRPr lang="zh-CN" altLang="en-US" sz="2400" b="1" dirty="0">
+              <a:latin typeface="微软雅黑" panose="020B0503020204020204" pitchFamily="34" charset="-122"/>
+              <a:ea typeface="微软雅黑" panose="020B0503020204020204" pitchFamily="34" charset="-122"/>
+            </a:endParaRPr>
+          </a:p>
+        </p:txBody>
+      </p:sp>
+      <p:pic>
+        <p:nvPicPr>
+          <p:cNvPr id="2050" name="Picture 2" descr="C:\Users\fan79\Desktop\job_exec.jpg"/>
+          <p:cNvPicPr>
+            <a:picLocks noChangeAspect="1" noChangeArrowheads="1"/>
+          </p:cNvPicPr>
+          <p:nvPr/>
+        </p:nvPicPr>
+        <p:blipFill>
+          <a:blip r:embed="rId2">
+            <a:extLst>
+              <a:ext uri="{28A0092B-C50C-407E-A947-70E740481C1C}">
+                <a14:useLocalDpi xmlns:a14="http://schemas.microsoft.com/office/drawing/2010/main" val="0"/>
+              </a:ext>
+            </a:extLst>
+          </a:blip>
+          <a:srcRect/>
+          <a:stretch>
+            <a:fillRect/>
+          </a:stretch>
+        </p:blipFill>
+        <p:spPr bwMode="auto">
+          <a:xfrm>
+            <a:off x="2627784" y="877642"/>
+            <a:ext cx="3763708" cy="5760640"/>
+          </a:xfrm>
+          <a:prstGeom prst="rect">
+            <a:avLst/>
+          </a:prstGeom>
+          <a:noFill/>
+          <a:extLst>
+            <a:ext uri="{909E8E84-426E-40DD-AFC4-6F175D3DCCD1}">
+              <a14:hiddenFill xmlns:a14="http://schemas.microsoft.com/office/drawing/2010/main">
+                <a:solidFill>
+                  <a:srgbClr val="FFFFFF"/>
+                </a:solidFill>
+              </a14:hiddenFill>
+            </a:ext>
+          </a:extLst>
+        </p:spPr>
+      </p:pic>
+    </p:spTree>
+    <p:extLst>
+      <p:ext uri="{BB962C8B-B14F-4D97-AF65-F5344CB8AC3E}">
+        <p14:creationId xmlns:p14="http://schemas.microsoft.com/office/powerpoint/2010/main" val="2582125371"/>
+      </p:ext>
+    </p:extLst>
+  </p:cSld>
+  <p:clrMapOvr>
+    <a:masterClrMapping/>
+  </p:clrMapOvr>
+  <p:timing>
+    <p:tnLst>
+      <p:par>
+        <p:cTn id="1" dur="indefinite" restart="never" nodeType="tmRoot"/>
+      </p:par>
+    </p:tnLst>
+  </p:timing>
+</p:sld>
+</file>
+
+<file path=ppt/slides/slide8.xml><?xml version="1.0" encoding="utf-8"?>
+<p:sld xmlns:a="http://schemas.openxmlformats.org/drawingml/2006/main" xmlns:r="http://schemas.openxmlformats.org/officeDocument/2006/relationships" xmlns:p="http://schemas.openxmlformats.org/presentationml/2006/main">
+  <p:cSld>
+    <p:spTree>
+      <p:nvGrpSpPr>
+        <p:cNvPr id="1" name=""/>
+        <p:cNvGrpSpPr/>
+        <p:nvPr/>
+      </p:nvGrpSpPr>
+      <p:grpSpPr>
+        <a:xfrm>
+          <a:off x="0" y="0"/>
+          <a:ext cx="0" cy="0"/>
+          <a:chOff x="0" y="0"/>
+          <a:chExt cx="0" cy="0"/>
+        </a:xfrm>
+      </p:grpSpPr>
+      <p:sp>
+        <p:nvSpPr>
+          <p:cNvPr id="2" name="标题 1"/>
+          <p:cNvSpPr>
+            <a:spLocks noGrp="1"/>
+          </p:cNvSpPr>
+          <p:nvPr>
+            <p:ph type="title"/>
+          </p:nvPr>
+        </p:nvSpPr>
         <p:spPr>
           <a:xfrm>
             <a:off x="467544" y="1916832"/>
@@ -3465,6 +4012,92 @@
   <p:clrMapOvr>
     <a:masterClrMapping/>
   </p:clrMapOvr>
+  <p:timing>
+    <p:tnLst>
+      <p:par>
+        <p:cTn id="1" dur="indefinite" restart="never" nodeType="tmRoot"/>
+      </p:par>
+    </p:tnLst>
+  </p:timing>
+</p:sld>
+</file>
+
+<file path=ppt/slides/slide9.xml><?xml version="1.0" encoding="utf-8"?>
+<p:sld xmlns:a="http://schemas.openxmlformats.org/drawingml/2006/main" xmlns:r="http://schemas.openxmlformats.org/officeDocument/2006/relationships" xmlns:p="http://schemas.openxmlformats.org/presentationml/2006/main">
+  <p:cSld>
+    <p:spTree>
+      <p:nvGrpSpPr>
+        <p:cNvPr id="1" name=""/>
+        <p:cNvGrpSpPr/>
+        <p:nvPr/>
+      </p:nvGrpSpPr>
+      <p:grpSpPr>
+        <a:xfrm>
+          <a:off x="0" y="0"/>
+          <a:ext cx="0" cy="0"/>
+          <a:chOff x="0" y="0"/>
+          <a:chExt cx="0" cy="0"/>
+        </a:xfrm>
+      </p:grpSpPr>
+      <p:sp>
+        <p:nvSpPr>
+          <p:cNvPr id="2" name="标题 1"/>
+          <p:cNvSpPr>
+            <a:spLocks noGrp="1"/>
+          </p:cNvSpPr>
+          <p:nvPr>
+            <p:ph type="title"/>
+          </p:nvPr>
+        </p:nvSpPr>
+        <p:spPr/>
+        <p:txBody>
+          <a:bodyPr/>
+          <a:lstStyle/>
+          <a:p>
+            <a:r>
+              <a:rPr lang="zh-CN" altLang="en-US" dirty="0" smtClean="0"/>
+              <a:t>任务类型</a:t>
+            </a:r>
+            <a:endParaRPr lang="zh-CN" altLang="en-US" dirty="0"/>
+          </a:p>
+        </p:txBody>
+      </p:sp>
+      <p:sp>
+        <p:nvSpPr>
+          <p:cNvPr id="3" name="内容占位符 2"/>
+          <p:cNvSpPr>
+            <a:spLocks noGrp="1"/>
+          </p:cNvSpPr>
+          <p:nvPr>
+            <p:ph idx="1"/>
+          </p:nvPr>
+        </p:nvSpPr>
+        <p:spPr/>
+        <p:txBody>
+          <a:bodyPr/>
+          <a:lstStyle/>
+          <a:p>
+            <a:endParaRPr lang="zh-CN" altLang="en-US"/>
+          </a:p>
+        </p:txBody>
+      </p:sp>
+    </p:spTree>
+    <p:extLst>
+      <p:ext uri="{BB962C8B-B14F-4D97-AF65-F5344CB8AC3E}">
+        <p14:creationId xmlns:p14="http://schemas.microsoft.com/office/powerpoint/2010/main" val="3279268841"/>
+      </p:ext>
+    </p:extLst>
+  </p:cSld>
+  <p:clrMapOvr>
+    <a:masterClrMapping/>
+  </p:clrMapOvr>
+  <p:timing>
+    <p:tnLst>
+      <p:par>
+        <p:cTn id="1" dur="indefinite" restart="never" nodeType="tmRoot"/>
+      </p:par>
+    </p:tnLst>
+  </p:timing>
 </p:sld>
 </file>
 

--- a/elastic-job-lite/elastic-job.pptx
+++ b/elastic-job-lite/elastic-job.pptx
@@ -297,7 +297,7 @@
           <a:p>
             <a:fld id="{530820CF-B880-4189-942D-D702A7CBA730}" type="datetimeFigureOut">
               <a:rPr lang="zh-CN" altLang="en-US" smtClean="0"/>
-              <a:t>2018/4/19</a:t>
+              <a:t>2018/4/20</a:t>
             </a:fld>
             <a:endParaRPr lang="zh-CN" altLang="en-US"/>
           </a:p>
@@ -462,7 +462,7 @@
           <a:p>
             <a:fld id="{530820CF-B880-4189-942D-D702A7CBA730}" type="datetimeFigureOut">
               <a:rPr lang="zh-CN" altLang="en-US" smtClean="0"/>
-              <a:t>2018/4/19</a:t>
+              <a:t>2018/4/20</a:t>
             </a:fld>
             <a:endParaRPr lang="zh-CN" altLang="en-US"/>
           </a:p>
@@ -637,7 +637,7 @@
           <a:p>
             <a:fld id="{530820CF-B880-4189-942D-D702A7CBA730}" type="datetimeFigureOut">
               <a:rPr lang="zh-CN" altLang="en-US" smtClean="0"/>
-              <a:t>2018/4/19</a:t>
+              <a:t>2018/4/20</a:t>
             </a:fld>
             <a:endParaRPr lang="zh-CN" altLang="en-US"/>
           </a:p>
@@ -802,7 +802,7 @@
           <a:p>
             <a:fld id="{530820CF-B880-4189-942D-D702A7CBA730}" type="datetimeFigureOut">
               <a:rPr lang="zh-CN" altLang="en-US" smtClean="0"/>
-              <a:t>2018/4/19</a:t>
+              <a:t>2018/4/20</a:t>
             </a:fld>
             <a:endParaRPr lang="zh-CN" altLang="en-US"/>
           </a:p>
@@ -1043,7 +1043,7 @@
           <a:p>
             <a:fld id="{530820CF-B880-4189-942D-D702A7CBA730}" type="datetimeFigureOut">
               <a:rPr lang="zh-CN" altLang="en-US" smtClean="0"/>
-              <a:t>2018/4/19</a:t>
+              <a:t>2018/4/20</a:t>
             </a:fld>
             <a:endParaRPr lang="zh-CN" altLang="en-US"/>
           </a:p>
@@ -1326,7 +1326,7 @@
           <a:p>
             <a:fld id="{530820CF-B880-4189-942D-D702A7CBA730}" type="datetimeFigureOut">
               <a:rPr lang="zh-CN" altLang="en-US" smtClean="0"/>
-              <a:t>2018/4/19</a:t>
+              <a:t>2018/4/20</a:t>
             </a:fld>
             <a:endParaRPr lang="zh-CN" altLang="en-US"/>
           </a:p>
@@ -1743,7 +1743,7 @@
           <a:p>
             <a:fld id="{530820CF-B880-4189-942D-D702A7CBA730}" type="datetimeFigureOut">
               <a:rPr lang="zh-CN" altLang="en-US" smtClean="0"/>
-              <a:t>2018/4/19</a:t>
+              <a:t>2018/4/20</a:t>
             </a:fld>
             <a:endParaRPr lang="zh-CN" altLang="en-US"/>
           </a:p>
@@ -1856,7 +1856,7 @@
           <a:p>
             <a:fld id="{530820CF-B880-4189-942D-D702A7CBA730}" type="datetimeFigureOut">
               <a:rPr lang="zh-CN" altLang="en-US" smtClean="0"/>
-              <a:t>2018/4/19</a:t>
+              <a:t>2018/4/20</a:t>
             </a:fld>
             <a:endParaRPr lang="zh-CN" altLang="en-US"/>
           </a:p>
@@ -1946,7 +1946,7 @@
           <a:p>
             <a:fld id="{530820CF-B880-4189-942D-D702A7CBA730}" type="datetimeFigureOut">
               <a:rPr lang="zh-CN" altLang="en-US" smtClean="0"/>
-              <a:t>2018/4/19</a:t>
+              <a:t>2018/4/20</a:t>
             </a:fld>
             <a:endParaRPr lang="zh-CN" altLang="en-US"/>
           </a:p>
@@ -2218,7 +2218,7 @@
           <a:p>
             <a:fld id="{530820CF-B880-4189-942D-D702A7CBA730}" type="datetimeFigureOut">
               <a:rPr lang="zh-CN" altLang="en-US" smtClean="0"/>
-              <a:t>2018/4/19</a:t>
+              <a:t>2018/4/20</a:t>
             </a:fld>
             <a:endParaRPr lang="zh-CN" altLang="en-US"/>
           </a:p>
@@ -2466,7 +2466,7 @@
           <a:p>
             <a:fld id="{530820CF-B880-4189-942D-D702A7CBA730}" type="datetimeFigureOut">
               <a:rPr lang="zh-CN" altLang="en-US" smtClean="0"/>
-              <a:t>2018/4/19</a:t>
+              <a:t>2018/4/20</a:t>
             </a:fld>
             <a:endParaRPr lang="zh-CN" altLang="en-US"/>
           </a:p>
@@ -2674,7 +2674,7 @@
           <a:p>
             <a:fld id="{530820CF-B880-4189-942D-D702A7CBA730}" type="datetimeFigureOut">
               <a:rPr lang="zh-CN" altLang="en-US" smtClean="0"/>
-              <a:t>2018/4/19</a:t>
+              <a:t>2018/4/20</a:t>
             </a:fld>
             <a:endParaRPr lang="zh-CN" altLang="en-US"/>
           </a:p>
@@ -3248,11 +3248,23 @@
             </a:r>
             <a:r>
               <a:rPr lang="zh-CN" altLang="en-US" dirty="0"/>
-              <a:t>是一个</a:t>
+              <a:t>是一</a:t>
             </a:r>
             <a:r>
               <a:rPr lang="zh-CN" altLang="en-US" dirty="0" smtClean="0"/>
-              <a:t>分布式任务调度</a:t>
+              <a:t>个基于</a:t>
+            </a:r>
+            <a:r>
+              <a:rPr lang="en-US" altLang="zh-CN" dirty="0" smtClean="0"/>
+              <a:t>Quartz</a:t>
+            </a:r>
+            <a:r>
+              <a:rPr lang="zh-CN" altLang="en-US" smtClean="0"/>
+              <a:t>的分布式</a:t>
+            </a:r>
+            <a:r>
+              <a:rPr lang="zh-CN" altLang="en-US" dirty="0" smtClean="0"/>
+              <a:t>任务调度</a:t>
             </a:r>
             <a:r>
               <a:rPr lang="zh-CN" altLang="en-US" dirty="0"/>
@@ -3667,31 +3679,66 @@
           <a:p>
             <a:r>
               <a:rPr lang="zh-CN" altLang="en-US" dirty="0" smtClean="0"/>
-              <a:t>原理</a:t>
+              <a:t>架构图</a:t>
             </a:r>
             <a:endParaRPr lang="zh-CN" altLang="en-US" dirty="0"/>
           </a:p>
         </p:txBody>
       </p:sp>
-      <p:sp>
-        <p:nvSpPr>
-          <p:cNvPr id="3" name="内容占位符 2"/>
-          <p:cNvSpPr>
-            <a:spLocks noGrp="1"/>
-          </p:cNvSpPr>
-          <p:nvPr>
-            <p:ph idx="1"/>
-          </p:nvPr>
-        </p:nvSpPr>
-        <p:spPr/>
-        <p:txBody>
-          <a:bodyPr/>
-          <a:lstStyle/>
-          <a:p>
-            <a:endParaRPr lang="zh-CN" altLang="en-US"/>
-          </a:p>
-        </p:txBody>
-      </p:sp>
+      <p:pic>
+        <p:nvPicPr>
+          <p:cNvPr id="1026" name="Picture 2"/>
+          <p:cNvPicPr>
+            <a:picLocks noChangeAspect="1" noChangeArrowheads="1"/>
+          </p:cNvPicPr>
+          <p:nvPr/>
+        </p:nvPicPr>
+        <p:blipFill>
+          <a:blip r:embed="rId2">
+            <a:extLst>
+              <a:ext uri="{28A0092B-C50C-407E-A947-70E740481C1C}">
+                <a14:useLocalDpi xmlns:a14="http://schemas.microsoft.com/office/drawing/2010/main" val="0"/>
+              </a:ext>
+            </a:extLst>
+          </a:blip>
+          <a:srcRect/>
+          <a:stretch>
+            <a:fillRect/>
+          </a:stretch>
+        </p:blipFill>
+        <p:spPr bwMode="auto">
+          <a:xfrm>
+            <a:off x="251520" y="1628800"/>
+            <a:ext cx="8389569" cy="4893915"/>
+          </a:xfrm>
+          <a:prstGeom prst="rect">
+            <a:avLst/>
+          </a:prstGeom>
+          <a:noFill/>
+          <a:ln>
+            <a:noFill/>
+          </a:ln>
+          <a:extLst>
+            <a:ext uri="{909E8E84-426E-40DD-AFC4-6F175D3DCCD1}">
+              <a14:hiddenFill xmlns:a14="http://schemas.microsoft.com/office/drawing/2010/main">
+                <a:solidFill>
+                  <a:schemeClr val="accent1"/>
+                </a:solidFill>
+              </a14:hiddenFill>
+            </a:ext>
+            <a:ext uri="{91240B29-F687-4F45-9708-019B960494DF}">
+              <a14:hiddenLine xmlns:a14="http://schemas.microsoft.com/office/drawing/2010/main" w="9525">
+                <a:solidFill>
+                  <a:schemeClr val="tx1"/>
+                </a:solidFill>
+                <a:miter lim="800000"/>
+                <a:headEnd/>
+                <a:tailEnd/>
+              </a14:hiddenLine>
+            </a:ext>
+          </a:extLst>
+        </p:spPr>
+      </p:pic>
     </p:spTree>
     <p:extLst>
       <p:ext uri="{BB962C8B-B14F-4D97-AF65-F5344CB8AC3E}">

--- a/elastic-job-lite/elastic-job.pptx
+++ b/elastic-job-lite/elastic-job.pptx
@@ -7,11 +7,11 @@
   <p:sldIdLst>
     <p:sldId id="256" r:id="rId2"/>
     <p:sldId id="257" r:id="rId3"/>
-    <p:sldId id="260" r:id="rId4"/>
-    <p:sldId id="258" r:id="rId5"/>
-    <p:sldId id="265" r:id="rId6"/>
-    <p:sldId id="263" r:id="rId7"/>
-    <p:sldId id="264" r:id="rId8"/>
+    <p:sldId id="267" r:id="rId4"/>
+    <p:sldId id="260" r:id="rId5"/>
+    <p:sldId id="258" r:id="rId6"/>
+    <p:sldId id="265" r:id="rId7"/>
+    <p:sldId id="266" r:id="rId8"/>
     <p:sldId id="259" r:id="rId9"/>
     <p:sldId id="261" r:id="rId10"/>
     <p:sldId id="262" r:id="rId11"/>
@@ -297,7 +297,7 @@
           <a:p>
             <a:fld id="{530820CF-B880-4189-942D-D702A7CBA730}" type="datetimeFigureOut">
               <a:rPr lang="zh-CN" altLang="en-US" smtClean="0"/>
-              <a:t>2018/4/20</a:t>
+              <a:t>2018/4/24</a:t>
             </a:fld>
             <a:endParaRPr lang="zh-CN" altLang="en-US"/>
           </a:p>
@@ -462,7 +462,7 @@
           <a:p>
             <a:fld id="{530820CF-B880-4189-942D-D702A7CBA730}" type="datetimeFigureOut">
               <a:rPr lang="zh-CN" altLang="en-US" smtClean="0"/>
-              <a:t>2018/4/20</a:t>
+              <a:t>2018/4/24</a:t>
             </a:fld>
             <a:endParaRPr lang="zh-CN" altLang="en-US"/>
           </a:p>
@@ -637,7 +637,7 @@
           <a:p>
             <a:fld id="{530820CF-B880-4189-942D-D702A7CBA730}" type="datetimeFigureOut">
               <a:rPr lang="zh-CN" altLang="en-US" smtClean="0"/>
-              <a:t>2018/4/20</a:t>
+              <a:t>2018/4/24</a:t>
             </a:fld>
             <a:endParaRPr lang="zh-CN" altLang="en-US"/>
           </a:p>
@@ -802,7 +802,7 @@
           <a:p>
             <a:fld id="{530820CF-B880-4189-942D-D702A7CBA730}" type="datetimeFigureOut">
               <a:rPr lang="zh-CN" altLang="en-US" smtClean="0"/>
-              <a:t>2018/4/20</a:t>
+              <a:t>2018/4/24</a:t>
             </a:fld>
             <a:endParaRPr lang="zh-CN" altLang="en-US"/>
           </a:p>
@@ -1043,7 +1043,7 @@
           <a:p>
             <a:fld id="{530820CF-B880-4189-942D-D702A7CBA730}" type="datetimeFigureOut">
               <a:rPr lang="zh-CN" altLang="en-US" smtClean="0"/>
-              <a:t>2018/4/20</a:t>
+              <a:t>2018/4/24</a:t>
             </a:fld>
             <a:endParaRPr lang="zh-CN" altLang="en-US"/>
           </a:p>
@@ -1326,7 +1326,7 @@
           <a:p>
             <a:fld id="{530820CF-B880-4189-942D-D702A7CBA730}" type="datetimeFigureOut">
               <a:rPr lang="zh-CN" altLang="en-US" smtClean="0"/>
-              <a:t>2018/4/20</a:t>
+              <a:t>2018/4/24</a:t>
             </a:fld>
             <a:endParaRPr lang="zh-CN" altLang="en-US"/>
           </a:p>
@@ -1743,7 +1743,7 @@
           <a:p>
             <a:fld id="{530820CF-B880-4189-942D-D702A7CBA730}" type="datetimeFigureOut">
               <a:rPr lang="zh-CN" altLang="en-US" smtClean="0"/>
-              <a:t>2018/4/20</a:t>
+              <a:t>2018/4/24</a:t>
             </a:fld>
             <a:endParaRPr lang="zh-CN" altLang="en-US"/>
           </a:p>
@@ -1856,7 +1856,7 @@
           <a:p>
             <a:fld id="{530820CF-B880-4189-942D-D702A7CBA730}" type="datetimeFigureOut">
               <a:rPr lang="zh-CN" altLang="en-US" smtClean="0"/>
-              <a:t>2018/4/20</a:t>
+              <a:t>2018/4/24</a:t>
             </a:fld>
             <a:endParaRPr lang="zh-CN" altLang="en-US"/>
           </a:p>
@@ -1946,7 +1946,7 @@
           <a:p>
             <a:fld id="{530820CF-B880-4189-942D-D702A7CBA730}" type="datetimeFigureOut">
               <a:rPr lang="zh-CN" altLang="en-US" smtClean="0"/>
-              <a:t>2018/4/20</a:t>
+              <a:t>2018/4/24</a:t>
             </a:fld>
             <a:endParaRPr lang="zh-CN" altLang="en-US"/>
           </a:p>
@@ -2218,7 +2218,7 @@
           <a:p>
             <a:fld id="{530820CF-B880-4189-942D-D702A7CBA730}" type="datetimeFigureOut">
               <a:rPr lang="zh-CN" altLang="en-US" smtClean="0"/>
-              <a:t>2018/4/20</a:t>
+              <a:t>2018/4/24</a:t>
             </a:fld>
             <a:endParaRPr lang="zh-CN" altLang="en-US"/>
           </a:p>
@@ -2466,7 +2466,7 @@
           <a:p>
             <a:fld id="{530820CF-B880-4189-942D-D702A7CBA730}" type="datetimeFigureOut">
               <a:rPr lang="zh-CN" altLang="en-US" smtClean="0"/>
-              <a:t>2018/4/20</a:t>
+              <a:t>2018/4/24</a:t>
             </a:fld>
             <a:endParaRPr lang="zh-CN" altLang="en-US"/>
           </a:p>
@@ -2674,7 +2674,7 @@
           <a:p>
             <a:fld id="{530820CF-B880-4189-942D-D702A7CBA730}" type="datetimeFigureOut">
               <a:rPr lang="zh-CN" altLang="en-US" smtClean="0"/>
-              <a:t>2018/4/20</a:t>
+              <a:t>2018/4/24</a:t>
             </a:fld>
             <a:endParaRPr lang="zh-CN" altLang="en-US"/>
           </a:p>
@@ -3054,7 +3054,12 @@
             <p:ph type="ctrTitle"/>
           </p:nvPr>
         </p:nvSpPr>
-        <p:spPr/>
+        <p:spPr>
+          <a:xfrm>
+            <a:off x="541784" y="980728"/>
+            <a:ext cx="7772400" cy="1470025"/>
+          </a:xfrm>
+        </p:spPr>
         <p:txBody>
           <a:bodyPr/>
           <a:lstStyle/>
@@ -3067,25 +3072,60 @@
           </a:p>
         </p:txBody>
       </p:sp>
-      <p:sp>
-        <p:nvSpPr>
-          <p:cNvPr id="3" name="副标题 2"/>
-          <p:cNvSpPr>
-            <a:spLocks noGrp="1"/>
-          </p:cNvSpPr>
-          <p:nvPr>
-            <p:ph type="subTitle" idx="1"/>
-          </p:nvPr>
-        </p:nvSpPr>
-        <p:spPr/>
-        <p:txBody>
-          <a:bodyPr/>
-          <a:lstStyle/>
-          <a:p>
-            <a:endParaRPr lang="zh-CN" altLang="en-US" dirty="0"/>
-          </a:p>
-        </p:txBody>
-      </p:sp>
+      <p:pic>
+        <p:nvPicPr>
+          <p:cNvPr id="1026" name="Picture 2"/>
+          <p:cNvPicPr>
+            <a:picLocks noChangeAspect="1" noChangeArrowheads="1"/>
+          </p:cNvPicPr>
+          <p:nvPr/>
+        </p:nvPicPr>
+        <p:blipFill>
+          <a:blip r:embed="rId2">
+            <a:extLst>
+              <a:ext uri="{28A0092B-C50C-407E-A947-70E740481C1C}">
+                <a14:useLocalDpi xmlns:a14="http://schemas.microsoft.com/office/drawing/2010/main" val="0"/>
+              </a:ext>
+            </a:extLst>
+          </a:blip>
+          <a:srcRect/>
+          <a:stretch>
+            <a:fillRect/>
+          </a:stretch>
+        </p:blipFill>
+        <p:spPr bwMode="auto">
+          <a:xfrm>
+            <a:off x="2627784" y="2636912"/>
+            <a:ext cx="3453320" cy="3024336"/>
+          </a:xfrm>
+          <a:prstGeom prst="rect">
+            <a:avLst/>
+          </a:prstGeom>
+          <a:noFill/>
+          <a:ln>
+            <a:noFill/>
+          </a:ln>
+          <a:extLst>
+            <a:ext uri="{909E8E84-426E-40DD-AFC4-6F175D3DCCD1}">
+              <a14:hiddenFill xmlns:a14="http://schemas.microsoft.com/office/drawing/2010/main">
+                <a:solidFill>
+                  <a:schemeClr val="accent1"/>
+                </a:solidFill>
+              </a14:hiddenFill>
+            </a:ext>
+            <a:ext uri="{91240B29-F687-4F45-9708-019B960494DF}">
+              <a14:hiddenLine xmlns:a14="http://schemas.microsoft.com/office/drawing/2010/main" w="9525">
+                <a:solidFill>
+                  <a:schemeClr val="tx1"/>
+                </a:solidFill>
+                <a:miter lim="800000"/>
+                <a:headEnd/>
+                <a:tailEnd/>
+              </a14:hiddenLine>
+            </a:ext>
+          </a:extLst>
+        </p:spPr>
+      </p:pic>
     </p:spTree>
     <p:extLst>
       <p:ext uri="{BB962C8B-B14F-4D97-AF65-F5344CB8AC3E}">
@@ -3096,6 +3136,13 @@
   <p:clrMapOvr>
     <a:masterClrMapping/>
   </p:clrMapOvr>
+  <p:timing>
+    <p:tnLst>
+      <p:par>
+        <p:cTn id="1" dur="indefinite" restart="never" nodeType="tmRoot"/>
+      </p:par>
+    </p:tnLst>
+  </p:timing>
 </p:sld>
 </file>
 
@@ -3118,7 +3165,7 @@
       </p:grpSpPr>
       <p:sp>
         <p:nvSpPr>
-          <p:cNvPr id="2" name="标题 1"/>
+          <p:cNvPr id="4" name="标题 3"/>
           <p:cNvSpPr>
             <a:spLocks noGrp="1"/>
           </p:cNvSpPr>
@@ -3126,34 +3173,20 @@
             <p:ph type="title"/>
           </p:nvPr>
         </p:nvSpPr>
-        <p:spPr/>
+        <p:spPr>
+          <a:xfrm>
+            <a:off x="539552" y="2924944"/>
+            <a:ext cx="8229600" cy="1143000"/>
+          </a:xfrm>
+        </p:spPr>
         <p:txBody>
           <a:bodyPr/>
           <a:lstStyle/>
           <a:p>
             <a:r>
               <a:rPr lang="zh-CN" altLang="en-US" dirty="0" smtClean="0"/>
-              <a:t>任务分片</a:t>
-            </a:r>
-            <a:endParaRPr lang="zh-CN" altLang="en-US" dirty="0"/>
-          </a:p>
-        </p:txBody>
-      </p:sp>
-      <p:sp>
-        <p:nvSpPr>
-          <p:cNvPr id="3" name="内容占位符 2"/>
-          <p:cNvSpPr>
-            <a:spLocks noGrp="1"/>
-          </p:cNvSpPr>
-          <p:nvPr>
-            <p:ph idx="1"/>
-          </p:nvPr>
-        </p:nvSpPr>
-        <p:spPr/>
-        <p:txBody>
-          <a:bodyPr/>
-          <a:lstStyle/>
-          <a:p>
+              <a:t>结束</a:t>
+            </a:r>
             <a:endParaRPr lang="zh-CN" altLang="en-US" dirty="0"/>
           </a:p>
         </p:txBody>
@@ -3211,10 +3244,16 @@
           <a:lstStyle/>
           <a:p>
             <a:r>
-              <a:rPr lang="en-US" altLang="zh-CN" dirty="0" smtClean="0"/>
+              <a:rPr lang="en-US" altLang="zh-CN" b="1" dirty="0" smtClean="0">
+                <a:latin typeface="微软雅黑" panose="020B0503020204020204" pitchFamily="34" charset="-122"/>
+                <a:ea typeface="微软雅黑" panose="020B0503020204020204" pitchFamily="34" charset="-122"/>
+              </a:rPr>
               <a:t>What</a:t>
             </a:r>
-            <a:endParaRPr lang="zh-CN" altLang="en-US" dirty="0"/>
+            <a:endParaRPr lang="zh-CN" altLang="en-US" b="1" dirty="0">
+              <a:latin typeface="微软雅黑" panose="020B0503020204020204" pitchFamily="34" charset="-122"/>
+              <a:ea typeface="微软雅黑" panose="020B0503020204020204" pitchFamily="34" charset="-122"/>
+            </a:endParaRPr>
           </a:p>
         </p:txBody>
       </p:sp>
@@ -3259,8 +3298,8 @@
               <a:t>Quartz</a:t>
             </a:r>
             <a:r>
-              <a:rPr lang="zh-CN" altLang="en-US" smtClean="0"/>
-              <a:t>的分布式</a:t>
+              <a:rPr lang="zh-CN" altLang="en-US" dirty="0" smtClean="0"/>
+              <a:t>的开源分布式</a:t>
             </a:r>
             <a:r>
               <a:rPr lang="zh-CN" altLang="en-US" dirty="0" smtClean="0"/>
@@ -3271,8 +3310,12 @@
               <a:t>解决</a:t>
             </a:r>
             <a:r>
-              <a:rPr lang="zh-CN" altLang="en-US" dirty="0" smtClean="0"/>
-              <a:t>方案；</a:t>
+              <a:rPr lang="zh-CN" altLang="en-US" smtClean="0"/>
+              <a:t>方案</a:t>
+            </a:r>
+            <a:r>
+              <a:rPr lang="zh-CN" altLang="en-US" smtClean="0"/>
+              <a:t>；文档十分完整。</a:t>
             </a:r>
             <a:endParaRPr lang="en-US" altLang="zh-CN" dirty="0" smtClean="0"/>
           </a:p>
@@ -3301,28 +3344,36 @@
             <a:endParaRPr lang="en-US" altLang="zh-CN" dirty="0" smtClean="0"/>
           </a:p>
           <a:p>
-            <a:pPr marL="0" indent="0">
-              <a:buNone/>
-            </a:pPr>
             <a:r>
               <a:rPr lang="en-US" altLang="zh-CN" dirty="0"/>
               <a:t>	</a:t>
             </a:r>
             <a:r>
               <a:rPr lang="en-US" altLang="zh-CN" dirty="0" smtClean="0"/>
-              <a:t>Elastic-Job-Lite</a:t>
-            </a:r>
-            <a:r>
-              <a:rPr lang="zh-CN" altLang="en-US" dirty="0"/>
-              <a:t>和</a:t>
+              <a:t>Elastic-Job-Lite </a:t>
+            </a:r>
+            <a:r>
+              <a:rPr lang="zh-CN" altLang="en-US" dirty="0" smtClean="0"/>
+              <a:t>轻量级、无中心化</a:t>
+            </a:r>
+            <a:endParaRPr lang="en-US" altLang="zh-CN" dirty="0" smtClean="0"/>
+          </a:p>
+          <a:p>
+            <a:r>
+              <a:rPr lang="en-US" altLang="zh-CN" dirty="0"/>
+              <a:t>	</a:t>
             </a:r>
             <a:r>
               <a:rPr lang="en-US" altLang="zh-CN" dirty="0" smtClean="0"/>
-              <a:t>Elastic-Job-Cloud</a:t>
+              <a:t>Elastic-Job-Cloud  </a:t>
             </a:r>
             <a:r>
               <a:rPr lang="zh-CN" altLang="en-US" dirty="0" smtClean="0"/>
-              <a:t>。</a:t>
+              <a:t>基于</a:t>
+            </a:r>
+            <a:r>
+              <a:rPr lang="en-US" altLang="zh-CN" b="1" dirty="0" err="1" smtClean="0"/>
+              <a:t>Mesos</a:t>
             </a:r>
             <a:endParaRPr lang="zh-CN" altLang="en-US" dirty="0"/>
           </a:p>
@@ -3338,6 +3389,13 @@
   <p:clrMapOvr>
     <a:masterClrMapping/>
   </p:clrMapOvr>
+  <p:timing>
+    <p:tnLst>
+      <p:par>
+        <p:cTn id="1" dur="indefinite" restart="never" nodeType="tmRoot"/>
+      </p:par>
+    </p:tnLst>
+  </p:timing>
 </p:sld>
 </file>
 
@@ -3370,88 +3428,193 @@
         </p:nvSpPr>
         <p:spPr/>
         <p:txBody>
-          <a:bodyPr/>
-          <a:lstStyle/>
-          <a:p>
-            <a:r>
-              <a:rPr lang="zh-CN" altLang="en-US" dirty="0" smtClean="0"/>
-              <a:t>解决了什么问题</a:t>
-            </a:r>
-            <a:endParaRPr lang="zh-CN" altLang="en-US" dirty="0"/>
-          </a:p>
-        </p:txBody>
-      </p:sp>
-      <p:sp>
-        <p:nvSpPr>
-          <p:cNvPr id="3" name="内容占位符 2"/>
-          <p:cNvSpPr>
-            <a:spLocks noGrp="1"/>
-          </p:cNvSpPr>
-          <p:nvPr>
-            <p:ph idx="1"/>
-          </p:nvPr>
-        </p:nvSpPr>
-        <p:spPr/>
-        <p:txBody>
           <a:bodyPr>
             <a:normAutofit/>
           </a:bodyPr>
           <a:lstStyle/>
           <a:p>
             <a:r>
-              <a:rPr lang="zh-CN" altLang="en-US" dirty="0" smtClean="0"/>
-              <a:t>无单节点故障、弹性</a:t>
-            </a:r>
-            <a:r>
-              <a:rPr lang="zh-CN" altLang="en-US" dirty="0"/>
-              <a:t>，水平扩展很好</a:t>
-            </a:r>
-            <a:endParaRPr lang="en-US" altLang="zh-CN" dirty="0" smtClean="0"/>
-          </a:p>
-          <a:p>
-            <a:endParaRPr lang="en-US" altLang="zh-CN" dirty="0" smtClean="0"/>
-          </a:p>
-          <a:p>
-            <a:r>
-              <a:rPr lang="zh-CN" altLang="en-US" dirty="0" smtClean="0"/>
-              <a:t>任务分片（可自定义分片策略）</a:t>
-            </a:r>
-            <a:endParaRPr lang="en-US" altLang="zh-CN" dirty="0" smtClean="0"/>
-          </a:p>
-          <a:p>
-            <a:endParaRPr lang="en-US" altLang="zh-CN" dirty="0" smtClean="0"/>
-          </a:p>
-          <a:p>
-            <a:r>
-              <a:rPr lang="zh-CN" altLang="en-US" dirty="0" smtClean="0"/>
-              <a:t>任务</a:t>
-            </a:r>
-            <a:r>
-              <a:rPr lang="zh-CN" altLang="en-US" dirty="0"/>
-              <a:t>分片</a:t>
-            </a:r>
-            <a:r>
-              <a:rPr lang="zh-CN" altLang="en-US" dirty="0" smtClean="0"/>
-              <a:t>失效转移</a:t>
-            </a:r>
-            <a:endParaRPr lang="en-US" altLang="zh-CN" dirty="0" smtClean="0"/>
-          </a:p>
-          <a:p>
-            <a:endParaRPr lang="en-US" altLang="zh-CN" dirty="0" smtClean="0"/>
-          </a:p>
-          <a:p>
-            <a:r>
-              <a:rPr lang="zh-CN" altLang="en-US" dirty="0" smtClean="0"/>
-              <a:t>监控治理</a:t>
-            </a:r>
-            <a:endParaRPr lang="zh-CN" altLang="en-US" dirty="0"/>
+              <a:rPr lang="zh-CN" altLang="en-US" b="1" cap="all" dirty="0">
+                <a:latin typeface="微软雅黑" panose="020B0503020204020204" pitchFamily="34" charset="-122"/>
+                <a:ea typeface="微软雅黑" panose="020B0503020204020204" pitchFamily="34" charset="-122"/>
+              </a:rPr>
+              <a:t>谁</a:t>
+            </a:r>
+            <a:r>
+              <a:rPr lang="zh-CN" altLang="en-US" b="1" cap="all" dirty="0" smtClean="0">
+                <a:latin typeface="微软雅黑" panose="020B0503020204020204" pitchFamily="34" charset="-122"/>
+                <a:ea typeface="微软雅黑" panose="020B0503020204020204" pitchFamily="34" charset="-122"/>
+              </a:rPr>
+              <a:t>在用</a:t>
+            </a:r>
+            <a:endParaRPr lang="zh-CN" altLang="en-US" b="1" dirty="0">
+              <a:latin typeface="微软雅黑" panose="020B0503020204020204" pitchFamily="34" charset="-122"/>
+              <a:ea typeface="微软雅黑" panose="020B0503020204020204" pitchFamily="34" charset="-122"/>
+            </a:endParaRPr>
+          </a:p>
+        </p:txBody>
+      </p:sp>
+      <p:sp>
+        <p:nvSpPr>
+          <p:cNvPr id="3" name="内容占位符 2"/>
+          <p:cNvSpPr>
+            <a:spLocks noGrp="1"/>
+          </p:cNvSpPr>
+          <p:nvPr>
+            <p:ph idx="1"/>
+          </p:nvPr>
+        </p:nvSpPr>
+        <p:spPr/>
+        <p:txBody>
+          <a:bodyPr>
+            <a:normAutofit fontScale="85000" lnSpcReduction="20000"/>
+          </a:bodyPr>
+          <a:lstStyle/>
+          <a:p>
+            <a:pPr marL="0" indent="0">
+              <a:buNone/>
+            </a:pPr>
+            <a:r>
+              <a:rPr lang="zh-CN" altLang="en-US" b="1" dirty="0">
+                <a:latin typeface="黑体" panose="02010609060101010101" pitchFamily="49" charset="-122"/>
+                <a:ea typeface="黑体" panose="02010609060101010101" pitchFamily="49" charset="-122"/>
+              </a:rPr>
+              <a:t>当当 国美 唯品会 猪八戒网 中国平安 联想商城 摩拜单车 首汽约车 翼支付</a:t>
+            </a:r>
+          </a:p>
+          <a:p>
+            <a:pPr marL="0" indent="0">
+              <a:buNone/>
+            </a:pPr>
+            <a:r>
+              <a:rPr lang="en-US" altLang="zh-CN" b="1" dirty="0">
+                <a:latin typeface="黑体" panose="02010609060101010101" pitchFamily="49" charset="-122"/>
+                <a:ea typeface="黑体" panose="02010609060101010101" pitchFamily="49" charset="-122"/>
+              </a:rPr>
+              <a:t>36</a:t>
+            </a:r>
+            <a:r>
+              <a:rPr lang="zh-CN" altLang="en-US" b="1" dirty="0">
+                <a:latin typeface="黑体" panose="02010609060101010101" pitchFamily="49" charset="-122"/>
+                <a:ea typeface="黑体" panose="02010609060101010101" pitchFamily="49" charset="-122"/>
+              </a:rPr>
+              <a:t>氪  </a:t>
+            </a:r>
+            <a:r>
+              <a:rPr lang="en-US" altLang="zh-CN" b="1" dirty="0">
+                <a:latin typeface="黑体" panose="02010609060101010101" pitchFamily="49" charset="-122"/>
+                <a:ea typeface="黑体" panose="02010609060101010101" pitchFamily="49" charset="-122"/>
+              </a:rPr>
+              <a:t>E</a:t>
+            </a:r>
+            <a:r>
+              <a:rPr lang="zh-CN" altLang="en-US" b="1" dirty="0">
+                <a:latin typeface="黑体" panose="02010609060101010101" pitchFamily="49" charset="-122"/>
+                <a:ea typeface="黑体" panose="02010609060101010101" pitchFamily="49" charset="-122"/>
+              </a:rPr>
+              <a:t>护通 </a:t>
+            </a:r>
+            <a:r>
+              <a:rPr lang="en-US" altLang="zh-CN" b="1" dirty="0">
+                <a:latin typeface="黑体" panose="02010609060101010101" pitchFamily="49" charset="-122"/>
+                <a:ea typeface="黑体" panose="02010609060101010101" pitchFamily="49" charset="-122"/>
+              </a:rPr>
+              <a:t>PINTEC </a:t>
+            </a:r>
+            <a:r>
+              <a:rPr lang="zh-CN" altLang="en-US" b="1" dirty="0">
+                <a:latin typeface="黑体" panose="02010609060101010101" pitchFamily="49" charset="-122"/>
+                <a:ea typeface="黑体" panose="02010609060101010101" pitchFamily="49" charset="-122"/>
+              </a:rPr>
+              <a:t>帮</a:t>
+            </a:r>
+            <a:r>
+              <a:rPr lang="en-US" altLang="zh-CN" b="1" dirty="0">
+                <a:latin typeface="黑体" panose="02010609060101010101" pitchFamily="49" charset="-122"/>
+                <a:ea typeface="黑体" panose="02010609060101010101" pitchFamily="49" charset="-122"/>
+              </a:rPr>
+              <a:t>5</a:t>
+            </a:r>
+            <a:r>
+              <a:rPr lang="zh-CN" altLang="en-US" b="1" dirty="0">
+                <a:latin typeface="黑体" panose="02010609060101010101" pitchFamily="49" charset="-122"/>
+                <a:ea typeface="黑体" panose="02010609060101010101" pitchFamily="49" charset="-122"/>
+              </a:rPr>
+              <a:t>采 畅移   凤凰汽车 记健康  简理财  茧数科技</a:t>
+            </a:r>
+          </a:p>
+          <a:p>
+            <a:pPr marL="0" indent="0">
+              <a:buNone/>
+            </a:pPr>
+            <a:r>
+              <a:rPr lang="zh-CN" altLang="en-US" b="1" dirty="0">
+                <a:latin typeface="黑体" panose="02010609060101010101" pitchFamily="49" charset="-122"/>
+                <a:ea typeface="黑体" panose="02010609060101010101" pitchFamily="49" charset="-122"/>
+              </a:rPr>
+              <a:t>金柚网 就医</a:t>
+            </a:r>
+            <a:r>
+              <a:rPr lang="en-US" altLang="zh-CN" b="1" dirty="0">
+                <a:latin typeface="黑体" panose="02010609060101010101" pitchFamily="49" charset="-122"/>
+                <a:ea typeface="黑体" panose="02010609060101010101" pitchFamily="49" charset="-122"/>
+              </a:rPr>
+              <a:t>160 </a:t>
+            </a:r>
+            <a:r>
+              <a:rPr lang="zh-CN" altLang="en-US" b="1" dirty="0">
+                <a:latin typeface="黑体" panose="02010609060101010101" pitchFamily="49" charset="-122"/>
+                <a:ea typeface="黑体" panose="02010609060101010101" pitchFamily="49" charset="-122"/>
+              </a:rPr>
+              <a:t>快钱 拉手网 懒人听书 捞财宝 米袋集团 全时 赛特斯</a:t>
+            </a:r>
+          </a:p>
+          <a:p>
+            <a:pPr marL="0" indent="0">
+              <a:buNone/>
+            </a:pPr>
+            <a:r>
+              <a:rPr lang="zh-CN" altLang="en-US" b="1" dirty="0">
+                <a:latin typeface="黑体" panose="02010609060101010101" pitchFamily="49" charset="-122"/>
+                <a:ea typeface="黑体" panose="02010609060101010101" pitchFamily="49" charset="-122"/>
+              </a:rPr>
+              <a:t>拓尔思 微盟 网仓 文轩网 华图教育 亚信 耀莱在线 一加手机 蚁坊软件 </a:t>
+            </a:r>
+          </a:p>
+          <a:p>
+            <a:pPr marL="0" indent="0">
+              <a:buNone/>
+            </a:pPr>
+            <a:r>
+              <a:rPr lang="zh-CN" altLang="en-US" b="1" dirty="0">
+                <a:latin typeface="黑体" panose="02010609060101010101" pitchFamily="49" charset="-122"/>
+                <a:ea typeface="黑体" panose="02010609060101010101" pitchFamily="49" charset="-122"/>
+              </a:rPr>
+              <a:t>翼龙贷 银狐财富 有货网 有信电话 云猴网 浙江电子口岸 浙金网</a:t>
+            </a:r>
+          </a:p>
+          <a:p>
+            <a:pPr marL="0" indent="0">
+              <a:buNone/>
+            </a:pPr>
+            <a:r>
+              <a:rPr lang="zh-CN" altLang="en-US" b="1" dirty="0">
+                <a:latin typeface="黑体" panose="02010609060101010101" pitchFamily="49" charset="-122"/>
+                <a:ea typeface="黑体" panose="02010609060101010101" pitchFamily="49" charset="-122"/>
+              </a:rPr>
+              <a:t> 赚啦理财 自如网 走秀网</a:t>
+            </a:r>
+            <a:endParaRPr lang="zh-CN" altLang="en-US" b="1" dirty="0">
+              <a:latin typeface="黑体" panose="02010609060101010101" pitchFamily="49" charset="-122"/>
+              <a:ea typeface="黑体" panose="02010609060101010101" pitchFamily="49" charset="-122"/>
+            </a:endParaRPr>
           </a:p>
         </p:txBody>
       </p:sp>
     </p:spTree>
     <p:extLst>
       <p:ext uri="{BB962C8B-B14F-4D97-AF65-F5344CB8AC3E}">
-        <p14:creationId xmlns:p14="http://schemas.microsoft.com/office/powerpoint/2010/main" val="2268771838"/>
+        <p14:creationId xmlns:p14="http://schemas.microsoft.com/office/powerpoint/2010/main" val="3354848912"/>
       </p:ext>
     </p:extLst>
   </p:cSld>
@@ -3495,7 +3658,156 @@
           <a:p>
             <a:r>
               <a:rPr lang="zh-CN" altLang="en-US" dirty="0" smtClean="0"/>
-              <a:t>有什么功能</a:t>
+              <a:t>解决了什么问题</a:t>
+            </a:r>
+            <a:endParaRPr lang="zh-CN" altLang="en-US" dirty="0"/>
+          </a:p>
+        </p:txBody>
+      </p:sp>
+      <p:sp>
+        <p:nvSpPr>
+          <p:cNvPr id="3" name="内容占位符 2"/>
+          <p:cNvSpPr>
+            <a:spLocks noGrp="1"/>
+          </p:cNvSpPr>
+          <p:nvPr>
+            <p:ph idx="1"/>
+          </p:nvPr>
+        </p:nvSpPr>
+        <p:spPr/>
+        <p:txBody>
+          <a:bodyPr>
+            <a:normAutofit fontScale="92500" lnSpcReduction="20000"/>
+          </a:bodyPr>
+          <a:lstStyle/>
+          <a:p>
+            <a:r>
+              <a:rPr lang="zh-CN" altLang="en-US" dirty="0"/>
+              <a:t>分布式调度</a:t>
+            </a:r>
+            <a:r>
+              <a:rPr lang="zh-CN" altLang="en-US" dirty="0" smtClean="0"/>
+              <a:t>协调、并行执行</a:t>
+            </a:r>
+            <a:endParaRPr lang="zh-CN" altLang="en-US" dirty="0"/>
+          </a:p>
+          <a:p>
+            <a:pPr marL="0" indent="0">
+              <a:buNone/>
+            </a:pPr>
+            <a:endParaRPr lang="en-US" altLang="zh-CN" dirty="0" smtClean="0"/>
+          </a:p>
+          <a:p>
+            <a:r>
+              <a:rPr lang="zh-CN" altLang="en-US" dirty="0" smtClean="0"/>
+              <a:t>弹性</a:t>
+            </a:r>
+            <a:r>
+              <a:rPr lang="zh-CN" altLang="en-US" dirty="0"/>
+              <a:t>，水平扩展很好</a:t>
+            </a:r>
+            <a:endParaRPr lang="en-US" altLang="zh-CN" dirty="0" smtClean="0"/>
+          </a:p>
+          <a:p>
+            <a:endParaRPr lang="en-US" altLang="zh-CN" dirty="0" smtClean="0"/>
+          </a:p>
+          <a:p>
+            <a:r>
+              <a:rPr lang="zh-CN" altLang="en-US" dirty="0" smtClean="0"/>
+              <a:t>任务分片（可自定义分片策略）</a:t>
+            </a:r>
+            <a:endParaRPr lang="en-US" altLang="zh-CN" dirty="0" smtClean="0"/>
+          </a:p>
+          <a:p>
+            <a:endParaRPr lang="en-US" altLang="zh-CN" dirty="0" smtClean="0"/>
+          </a:p>
+          <a:p>
+            <a:r>
+              <a:rPr lang="zh-CN" altLang="en-US" dirty="0" smtClean="0"/>
+              <a:t>任务</a:t>
+            </a:r>
+            <a:r>
+              <a:rPr lang="zh-CN" altLang="en-US" dirty="0"/>
+              <a:t>分片</a:t>
+            </a:r>
+            <a:r>
+              <a:rPr lang="zh-CN" altLang="en-US" dirty="0" smtClean="0"/>
+              <a:t>失效转移</a:t>
+            </a:r>
+            <a:endParaRPr lang="en-US" altLang="zh-CN" dirty="0" smtClean="0"/>
+          </a:p>
+          <a:p>
+            <a:endParaRPr lang="en-US" altLang="zh-CN" dirty="0" smtClean="0"/>
+          </a:p>
+          <a:p>
+            <a:r>
+              <a:rPr lang="zh-CN" altLang="en-US" dirty="0" smtClean="0"/>
+              <a:t>监控治理</a:t>
+            </a:r>
+            <a:endParaRPr lang="zh-CN" altLang="en-US" dirty="0"/>
+          </a:p>
+        </p:txBody>
+      </p:sp>
+    </p:spTree>
+    <p:extLst>
+      <p:ext uri="{BB962C8B-B14F-4D97-AF65-F5344CB8AC3E}">
+        <p14:creationId xmlns:p14="http://schemas.microsoft.com/office/powerpoint/2010/main" val="2268771838"/>
+      </p:ext>
+    </p:extLst>
+  </p:cSld>
+  <p:clrMapOvr>
+    <a:masterClrMapping/>
+  </p:clrMapOvr>
+  <p:timing>
+    <p:tnLst>
+      <p:par>
+        <p:cTn id="1" dur="indefinite" restart="never" nodeType="tmRoot"/>
+      </p:par>
+    </p:tnLst>
+  </p:timing>
+</p:sld>
+</file>
+
+<file path=ppt/slides/slide5.xml><?xml version="1.0" encoding="utf-8"?>
+<p:sld xmlns:a="http://schemas.openxmlformats.org/drawingml/2006/main" xmlns:r="http://schemas.openxmlformats.org/officeDocument/2006/relationships" xmlns:p="http://schemas.openxmlformats.org/presentationml/2006/main">
+  <p:cSld>
+    <p:spTree>
+      <p:nvGrpSpPr>
+        <p:cNvPr id="1" name=""/>
+        <p:cNvGrpSpPr/>
+        <p:nvPr/>
+      </p:nvGrpSpPr>
+      <p:grpSpPr>
+        <a:xfrm>
+          <a:off x="0" y="0"/>
+          <a:ext cx="0" cy="0"/>
+          <a:chOff x="0" y="0"/>
+          <a:chExt cx="0" cy="0"/>
+        </a:xfrm>
+      </p:grpSpPr>
+      <p:sp>
+        <p:nvSpPr>
+          <p:cNvPr id="2" name="标题 1"/>
+          <p:cNvSpPr>
+            <a:spLocks noGrp="1"/>
+          </p:cNvSpPr>
+          <p:nvPr>
+            <p:ph type="title"/>
+          </p:nvPr>
+        </p:nvSpPr>
+        <p:spPr>
+          <a:xfrm>
+            <a:off x="467544" y="188640"/>
+            <a:ext cx="8229600" cy="1143000"/>
+          </a:xfrm>
+        </p:spPr>
+        <p:txBody>
+          <a:bodyPr/>
+          <a:lstStyle/>
+          <a:p>
+            <a:r>
+              <a:rPr lang="zh-CN" altLang="en-US" dirty="0" smtClean="0"/>
+              <a:t>特性功能</a:t>
             </a:r>
             <a:endParaRPr lang="zh-CN" altLang="en-US" dirty="0"/>
           </a:p>
@@ -3519,31 +3831,17 @@
         </p:spPr>
         <p:txBody>
           <a:bodyPr>
-            <a:normAutofit fontScale="85000" lnSpcReduction="20000"/>
+            <a:normAutofit/>
           </a:bodyPr>
           <a:lstStyle/>
           <a:p>
             <a:r>
+              <a:rPr lang="zh-CN" altLang="en-US" dirty="0" smtClean="0"/>
+              <a:t>错过</a:t>
+            </a:r>
+            <a:r>
               <a:rPr lang="zh-CN" altLang="en-US" dirty="0"/>
-              <a:t>分布式调度协调</a:t>
-            </a:r>
-          </a:p>
-          <a:p>
-            <a:r>
-              <a:rPr lang="zh-CN" altLang="en-US" dirty="0"/>
-              <a:t>弹性扩容缩容</a:t>
-            </a:r>
-          </a:p>
-          <a:p>
-            <a:r>
-              <a:rPr lang="zh-CN" altLang="en-US" dirty="0"/>
-              <a:t>失效转移</a:t>
-            </a:r>
-          </a:p>
-          <a:p>
-            <a:r>
-              <a:rPr lang="zh-CN" altLang="en-US" dirty="0"/>
-              <a:t>错过执行作业重触发</a:t>
+              <a:t>执行作业重触发</a:t>
             </a:r>
           </a:p>
           <a:p>
@@ -3594,34 +3892,6 @@
           </a:p>
           <a:p>
             <a:endParaRPr lang="zh-CN" altLang="en-US" dirty="0"/>
-          </a:p>
-        </p:txBody>
-      </p:sp>
-      <p:sp>
-        <p:nvSpPr>
-          <p:cNvPr id="4" name="矩形 3"/>
-          <p:cNvSpPr/>
-          <p:nvPr/>
-        </p:nvSpPr>
-        <p:spPr>
-          <a:xfrm>
-            <a:off x="4018002" y="3244334"/>
-            <a:ext cx="1107996" cy="369332"/>
-          </a:xfrm>
-          <a:prstGeom prst="rect">
-            <a:avLst/>
-          </a:prstGeom>
-        </p:spPr>
-        <p:txBody>
-          <a:bodyPr wrap="none">
-            <a:spAutoFit/>
-          </a:bodyPr>
-          <a:lstStyle/>
-          <a:p>
-            <a:r>
-              <a:rPr lang="zh-CN" altLang="en-US" dirty="0"/>
-              <a:t>作业启动</a:t>
-            </a:r>
           </a:p>
         </p:txBody>
       </p:sp>
@@ -3645,7 +3915,7 @@
 </p:sld>
 </file>
 
-<file path=ppt/slides/slide5.xml><?xml version="1.0" encoding="utf-8"?>
+<file path=ppt/slides/slide6.xml><?xml version="1.0" encoding="utf-8"?>
 <p:sld xmlns:a="http://schemas.openxmlformats.org/drawingml/2006/main" xmlns:r="http://schemas.openxmlformats.org/officeDocument/2006/relationships" xmlns:p="http://schemas.openxmlformats.org/presentationml/2006/main">
   <p:cSld>
     <p:spTree>
@@ -3749,120 +4019,6 @@
   <p:clrMapOvr>
     <a:masterClrMapping/>
   </p:clrMapOvr>
-</p:sld>
-</file>
-
-<file path=ppt/slides/slide6.xml><?xml version="1.0" encoding="utf-8"?>
-<p:sld xmlns:a="http://schemas.openxmlformats.org/drawingml/2006/main" xmlns:r="http://schemas.openxmlformats.org/officeDocument/2006/relationships" xmlns:p="http://schemas.openxmlformats.org/presentationml/2006/main">
-  <p:cSld>
-    <p:spTree>
-      <p:nvGrpSpPr>
-        <p:cNvPr id="1" name=""/>
-        <p:cNvGrpSpPr/>
-        <p:nvPr/>
-      </p:nvGrpSpPr>
-      <p:grpSpPr>
-        <a:xfrm>
-          <a:off x="0" y="0"/>
-          <a:ext cx="0" cy="0"/>
-          <a:chOff x="0" y="0"/>
-          <a:chExt cx="0" cy="0"/>
-        </a:xfrm>
-      </p:grpSpPr>
-      <p:sp>
-        <p:nvSpPr>
-          <p:cNvPr id="2" name="标题 1"/>
-          <p:cNvSpPr>
-            <a:spLocks noGrp="1"/>
-          </p:cNvSpPr>
-          <p:nvPr>
-            <p:ph type="title"/>
-          </p:nvPr>
-        </p:nvSpPr>
-        <p:spPr>
-          <a:xfrm>
-            <a:off x="467544" y="44624"/>
-            <a:ext cx="8229600" cy="360040"/>
-          </a:xfrm>
-        </p:spPr>
-        <p:txBody>
-          <a:bodyPr>
-            <a:noAutofit/>
-          </a:bodyPr>
-          <a:lstStyle/>
-          <a:p>
-            <a:r>
-              <a:rPr lang="zh-CN" altLang="en-US" sz="2400" b="1" dirty="0">
-                <a:latin typeface="微软雅黑" panose="020B0503020204020204" pitchFamily="34" charset="-122"/>
-                <a:ea typeface="微软雅黑" panose="020B0503020204020204" pitchFamily="34" charset="-122"/>
-              </a:rPr>
-              <a:t>作业</a:t>
-            </a:r>
-            <a:r>
-              <a:rPr lang="zh-CN" altLang="en-US" sz="2400" b="1" dirty="0" smtClean="0">
-                <a:latin typeface="微软雅黑" panose="020B0503020204020204" pitchFamily="34" charset="-122"/>
-                <a:ea typeface="微软雅黑" panose="020B0503020204020204" pitchFamily="34" charset="-122"/>
-              </a:rPr>
-              <a:t>启动</a:t>
-            </a:r>
-            <a:endParaRPr lang="zh-CN" altLang="en-US" sz="2400" b="1" dirty="0">
-              <a:latin typeface="微软雅黑" panose="020B0503020204020204" pitchFamily="34" charset="-122"/>
-              <a:ea typeface="微软雅黑" panose="020B0503020204020204" pitchFamily="34" charset="-122"/>
-            </a:endParaRPr>
-          </a:p>
-        </p:txBody>
-      </p:sp>
-      <p:pic>
-        <p:nvPicPr>
-          <p:cNvPr id="1026" name="Picture 2" descr="C:\Users\fan79\Desktop\job_start.jpg"/>
-          <p:cNvPicPr>
-            <a:picLocks noChangeAspect="1" noChangeArrowheads="1"/>
-          </p:cNvPicPr>
-          <p:nvPr/>
-        </p:nvPicPr>
-        <p:blipFill>
-          <a:blip r:embed="rId2">
-            <a:extLst>
-              <a:ext uri="{28A0092B-C50C-407E-A947-70E740481C1C}">
-                <a14:useLocalDpi xmlns:a14="http://schemas.microsoft.com/office/drawing/2010/main" val="0"/>
-              </a:ext>
-            </a:extLst>
-          </a:blip>
-          <a:srcRect/>
-          <a:stretch>
-            <a:fillRect/>
-          </a:stretch>
-        </p:blipFill>
-        <p:spPr bwMode="auto">
-          <a:xfrm>
-            <a:off x="3275856" y="404664"/>
-            <a:ext cx="2392740" cy="6380789"/>
-          </a:xfrm>
-          <a:prstGeom prst="rect">
-            <a:avLst/>
-          </a:prstGeom>
-          <a:noFill/>
-          <a:extLst>
-            <a:ext uri="{909E8E84-426E-40DD-AFC4-6F175D3DCCD1}">
-              <a14:hiddenFill xmlns:a14="http://schemas.microsoft.com/office/drawing/2010/main">
-                <a:solidFill>
-                  <a:srgbClr val="FFFFFF"/>
-                </a:solidFill>
-              </a14:hiddenFill>
-            </a:ext>
-          </a:extLst>
-        </p:spPr>
-      </p:pic>
-    </p:spTree>
-    <p:extLst>
-      <p:ext uri="{BB962C8B-B14F-4D97-AF65-F5344CB8AC3E}">
-        <p14:creationId xmlns:p14="http://schemas.microsoft.com/office/powerpoint/2010/main" val="124511986"/>
-      </p:ext>
-    </p:extLst>
-  </p:cSld>
-  <p:clrMapOvr>
-    <a:masterClrMapping/>
-  </p:clrMapOvr>
   <p:timing>
     <p:tnLst>
       <p:par>
@@ -3900,90 +4056,75 @@
             <p:ph type="title"/>
           </p:nvPr>
         </p:nvSpPr>
-        <p:spPr>
-          <a:xfrm>
-            <a:off x="457200" y="274638"/>
-            <a:ext cx="8229600" cy="490066"/>
-          </a:xfrm>
-        </p:spPr>
-        <p:txBody>
-          <a:bodyPr>
-            <a:normAutofit/>
-          </a:bodyPr>
-          <a:lstStyle/>
-          <a:p>
-            <a:r>
-              <a:rPr lang="zh-CN" altLang="en-US" sz="2400" b="1" dirty="0" smtClean="0">
-                <a:latin typeface="微软雅黑" panose="020B0503020204020204" pitchFamily="34" charset="-122"/>
-                <a:ea typeface="微软雅黑" panose="020B0503020204020204" pitchFamily="34" charset="-122"/>
-              </a:rPr>
-              <a:t>作业执行</a:t>
-            </a:r>
-            <a:endParaRPr lang="zh-CN" altLang="en-US" sz="2400" b="1" dirty="0">
-              <a:latin typeface="微软雅黑" panose="020B0503020204020204" pitchFamily="34" charset="-122"/>
-              <a:ea typeface="微软雅黑" panose="020B0503020204020204" pitchFamily="34" charset="-122"/>
-            </a:endParaRPr>
-          </a:p>
-        </p:txBody>
-      </p:sp>
-      <p:pic>
-        <p:nvPicPr>
-          <p:cNvPr id="2050" name="Picture 2" descr="C:\Users\fan79\Desktop\job_exec.jpg"/>
-          <p:cNvPicPr>
-            <a:picLocks noChangeAspect="1" noChangeArrowheads="1"/>
-          </p:cNvPicPr>
-          <p:nvPr/>
-        </p:nvPicPr>
-        <p:blipFill>
-          <a:blip r:embed="rId2">
-            <a:extLst>
-              <a:ext uri="{28A0092B-C50C-407E-A947-70E740481C1C}">
-                <a14:useLocalDpi xmlns:a14="http://schemas.microsoft.com/office/drawing/2010/main" val="0"/>
-              </a:ext>
-            </a:extLst>
-          </a:blip>
-          <a:srcRect/>
-          <a:stretch>
-            <a:fillRect/>
-          </a:stretch>
-        </p:blipFill>
-        <p:spPr bwMode="auto">
-          <a:xfrm>
-            <a:off x="2627784" y="877642"/>
-            <a:ext cx="3763708" cy="5760640"/>
-          </a:xfrm>
-          <a:prstGeom prst="rect">
-            <a:avLst/>
-          </a:prstGeom>
-          <a:noFill/>
-          <a:extLst>
-            <a:ext uri="{909E8E84-426E-40DD-AFC4-6F175D3DCCD1}">
-              <a14:hiddenFill xmlns:a14="http://schemas.microsoft.com/office/drawing/2010/main">
-                <a:solidFill>
-                  <a:srgbClr val="FFFFFF"/>
-                </a:solidFill>
-              </a14:hiddenFill>
-            </a:ext>
-          </a:extLst>
-        </p:spPr>
-      </p:pic>
+        <p:spPr/>
+        <p:txBody>
+          <a:bodyPr/>
+          <a:lstStyle/>
+          <a:p>
+            <a:r>
+              <a:rPr lang="zh-CN" altLang="en-US" dirty="0"/>
+              <a:t>实现</a:t>
+            </a:r>
+            <a:r>
+              <a:rPr lang="zh-CN" altLang="en-US" dirty="0" smtClean="0"/>
+              <a:t>原理</a:t>
+            </a:r>
+            <a:endParaRPr lang="zh-CN" altLang="en-US" dirty="0"/>
+          </a:p>
+        </p:txBody>
+      </p:sp>
+      <p:sp>
+        <p:nvSpPr>
+          <p:cNvPr id="3" name="内容占位符 2"/>
+          <p:cNvSpPr>
+            <a:spLocks noGrp="1"/>
+          </p:cNvSpPr>
+          <p:nvPr>
+            <p:ph idx="1"/>
+          </p:nvPr>
+        </p:nvSpPr>
+        <p:spPr/>
+        <p:txBody>
+          <a:bodyPr/>
+          <a:lstStyle/>
+          <a:p>
+            <a:pPr marL="0" indent="0">
+              <a:buNone/>
+            </a:pPr>
+            <a:endParaRPr lang="en-US" altLang="zh-CN" dirty="0" smtClean="0"/>
+          </a:p>
+          <a:p>
+            <a:pPr marL="0" indent="0">
+              <a:buNone/>
+            </a:pPr>
+            <a:endParaRPr lang="en-US" altLang="zh-CN" dirty="0"/>
+          </a:p>
+          <a:p>
+            <a:pPr marL="0" indent="0">
+              <a:buNone/>
+            </a:pPr>
+            <a:r>
+              <a:rPr lang="en-US" altLang="zh-CN" dirty="0" smtClean="0"/>
+              <a:t>http</a:t>
+            </a:r>
+            <a:r>
+              <a:rPr lang="en-US" altLang="zh-CN" dirty="0"/>
+              <a:t>://elasticjob.io/docs/elastic-job-lite/03-design/lite-design/</a:t>
+            </a:r>
+            <a:endParaRPr lang="zh-CN" altLang="en-US" dirty="0"/>
+          </a:p>
+        </p:txBody>
+      </p:sp>
     </p:spTree>
     <p:extLst>
       <p:ext uri="{BB962C8B-B14F-4D97-AF65-F5344CB8AC3E}">
-        <p14:creationId xmlns:p14="http://schemas.microsoft.com/office/powerpoint/2010/main" val="2582125371"/>
+        <p14:creationId xmlns:p14="http://schemas.microsoft.com/office/powerpoint/2010/main" val="81610546"/>
       </p:ext>
     </p:extLst>
   </p:cSld>
   <p:clrMapOvr>
     <a:masterClrMapping/>
   </p:clrMapOvr>
-  <p:timing>
-    <p:tnLst>
-      <p:par>
-        <p:cTn id="1" dur="indefinite" restart="never" nodeType="tmRoot"/>
-      </p:par>
-    </p:tnLst>
-  </p:timing>
 </p:sld>
 </file>
 
@@ -4043,8 +4184,19 @@
             </a:r>
             <a:r>
               <a:rPr lang="zh-CN" altLang="en-US" dirty="0" smtClean="0"/>
-              <a:t>为例</a:t>
-            </a:r>
+              <a:t>为</a:t>
+            </a:r>
+            <a:r>
+              <a:rPr lang="zh-CN" altLang="en-US" dirty="0" smtClean="0"/>
+              <a:t>例</a:t>
+            </a:r>
+            <a:r>
+              <a:rPr lang="en-US" altLang="zh-CN" dirty="0" smtClean="0"/>
+              <a:t/>
+            </a:r>
+            <a:br>
+              <a:rPr lang="en-US" altLang="zh-CN" dirty="0" smtClean="0"/>
+            </a:br>
             <a:endParaRPr lang="zh-CN" altLang="en-US" dirty="0"/>
           </a:p>
         </p:txBody>
@@ -4088,43 +4240,42 @@
       </p:grpSpPr>
       <p:sp>
         <p:nvSpPr>
-          <p:cNvPr id="2" name="标题 1"/>
-          <p:cNvSpPr>
-            <a:spLocks noGrp="1"/>
-          </p:cNvSpPr>
-          <p:nvPr>
-            <p:ph type="title"/>
-          </p:nvPr>
-        </p:nvSpPr>
-        <p:spPr/>
-        <p:txBody>
-          <a:bodyPr/>
-          <a:lstStyle/>
-          <a:p>
+          <p:cNvPr id="3" name="内容占位符 2"/>
+          <p:cNvSpPr>
+            <a:spLocks noGrp="1"/>
+          </p:cNvSpPr>
+          <p:nvPr>
+            <p:ph idx="1"/>
+          </p:nvPr>
+        </p:nvSpPr>
+        <p:spPr>
+          <a:xfrm>
+            <a:off x="467544" y="2204864"/>
+            <a:ext cx="8229600" cy="2376264"/>
+          </a:xfrm>
+        </p:spPr>
+        <p:txBody>
+          <a:bodyPr/>
+          <a:lstStyle/>
+          <a:p>
+            <a:pPr marL="0" indent="0">
+              <a:buNone/>
+            </a:pPr>
             <a:r>
               <a:rPr lang="zh-CN" altLang="en-US" dirty="0" smtClean="0"/>
-              <a:t>任务类型</a:t>
+              <a:t>演示代码地址：</a:t>
+            </a:r>
+            <a:endParaRPr lang="en-US" altLang="zh-CN" dirty="0" smtClean="0"/>
+          </a:p>
+          <a:p>
+            <a:pPr marL="0" indent="0">
+              <a:buNone/>
+            </a:pPr>
+            <a:r>
+              <a:rPr lang="en-US" altLang="zh-CN" dirty="0"/>
+              <a:t>https://github.com/youbeiwuhuan/practice/tree/master/elastic-job-lite</a:t>
             </a:r>
             <a:endParaRPr lang="zh-CN" altLang="en-US" dirty="0"/>
-          </a:p>
-        </p:txBody>
-      </p:sp>
-      <p:sp>
-        <p:nvSpPr>
-          <p:cNvPr id="3" name="内容占位符 2"/>
-          <p:cNvSpPr>
-            <a:spLocks noGrp="1"/>
-          </p:cNvSpPr>
-          <p:nvPr>
-            <p:ph idx="1"/>
-          </p:nvPr>
-        </p:nvSpPr>
-        <p:spPr/>
-        <p:txBody>
-          <a:bodyPr/>
-          <a:lstStyle/>
-          <a:p>
-            <a:endParaRPr lang="zh-CN" altLang="en-US"/>
           </a:p>
         </p:txBody>
       </p:sp>

--- a/elastic-job-lite/elastic-job.pptx
+++ b/elastic-job-lite/elastic-job.pptx
@@ -6,15 +6,16 @@
   </p:sldMasterIdLst>
   <p:sldIdLst>
     <p:sldId id="256" r:id="rId2"/>
-    <p:sldId id="257" r:id="rId3"/>
-    <p:sldId id="267" r:id="rId4"/>
-    <p:sldId id="260" r:id="rId5"/>
-    <p:sldId id="258" r:id="rId6"/>
-    <p:sldId id="265" r:id="rId7"/>
-    <p:sldId id="266" r:id="rId8"/>
-    <p:sldId id="259" r:id="rId9"/>
-    <p:sldId id="261" r:id="rId10"/>
-    <p:sldId id="262" r:id="rId11"/>
+    <p:sldId id="268" r:id="rId3"/>
+    <p:sldId id="257" r:id="rId4"/>
+    <p:sldId id="267" r:id="rId5"/>
+    <p:sldId id="260" r:id="rId6"/>
+    <p:sldId id="258" r:id="rId7"/>
+    <p:sldId id="265" r:id="rId8"/>
+    <p:sldId id="266" r:id="rId9"/>
+    <p:sldId id="259" r:id="rId10"/>
+    <p:sldId id="261" r:id="rId11"/>
+    <p:sldId id="262" r:id="rId12"/>
   </p:sldIdLst>
   <p:sldSz cx="9144000" cy="6858000" type="screen4x3"/>
   <p:notesSz cx="6858000" cy="9144000"/>
@@ -297,7 +298,7 @@
           <a:p>
             <a:fld id="{530820CF-B880-4189-942D-D702A7CBA730}" type="datetimeFigureOut">
               <a:rPr lang="zh-CN" altLang="en-US" smtClean="0"/>
-              <a:t>2018/4/24</a:t>
+              <a:t>2018/4/25</a:t>
             </a:fld>
             <a:endParaRPr lang="zh-CN" altLang="en-US"/>
           </a:p>
@@ -462,7 +463,7 @@
           <a:p>
             <a:fld id="{530820CF-B880-4189-942D-D702A7CBA730}" type="datetimeFigureOut">
               <a:rPr lang="zh-CN" altLang="en-US" smtClean="0"/>
-              <a:t>2018/4/24</a:t>
+              <a:t>2018/4/25</a:t>
             </a:fld>
             <a:endParaRPr lang="zh-CN" altLang="en-US"/>
           </a:p>
@@ -637,7 +638,7 @@
           <a:p>
             <a:fld id="{530820CF-B880-4189-942D-D702A7CBA730}" type="datetimeFigureOut">
               <a:rPr lang="zh-CN" altLang="en-US" smtClean="0"/>
-              <a:t>2018/4/24</a:t>
+              <a:t>2018/4/25</a:t>
             </a:fld>
             <a:endParaRPr lang="zh-CN" altLang="en-US"/>
           </a:p>
@@ -802,7 +803,7 @@
           <a:p>
             <a:fld id="{530820CF-B880-4189-942D-D702A7CBA730}" type="datetimeFigureOut">
               <a:rPr lang="zh-CN" altLang="en-US" smtClean="0"/>
-              <a:t>2018/4/24</a:t>
+              <a:t>2018/4/25</a:t>
             </a:fld>
             <a:endParaRPr lang="zh-CN" altLang="en-US"/>
           </a:p>
@@ -1043,7 +1044,7 @@
           <a:p>
             <a:fld id="{530820CF-B880-4189-942D-D702A7CBA730}" type="datetimeFigureOut">
               <a:rPr lang="zh-CN" altLang="en-US" smtClean="0"/>
-              <a:t>2018/4/24</a:t>
+              <a:t>2018/4/25</a:t>
             </a:fld>
             <a:endParaRPr lang="zh-CN" altLang="en-US"/>
           </a:p>
@@ -1326,7 +1327,7 @@
           <a:p>
             <a:fld id="{530820CF-B880-4189-942D-D702A7CBA730}" type="datetimeFigureOut">
               <a:rPr lang="zh-CN" altLang="en-US" smtClean="0"/>
-              <a:t>2018/4/24</a:t>
+              <a:t>2018/4/25</a:t>
             </a:fld>
             <a:endParaRPr lang="zh-CN" altLang="en-US"/>
           </a:p>
@@ -1743,7 +1744,7 @@
           <a:p>
             <a:fld id="{530820CF-B880-4189-942D-D702A7CBA730}" type="datetimeFigureOut">
               <a:rPr lang="zh-CN" altLang="en-US" smtClean="0"/>
-              <a:t>2018/4/24</a:t>
+              <a:t>2018/4/25</a:t>
             </a:fld>
             <a:endParaRPr lang="zh-CN" altLang="en-US"/>
           </a:p>
@@ -1856,7 +1857,7 @@
           <a:p>
             <a:fld id="{530820CF-B880-4189-942D-D702A7CBA730}" type="datetimeFigureOut">
               <a:rPr lang="zh-CN" altLang="en-US" smtClean="0"/>
-              <a:t>2018/4/24</a:t>
+              <a:t>2018/4/25</a:t>
             </a:fld>
             <a:endParaRPr lang="zh-CN" altLang="en-US"/>
           </a:p>
@@ -1946,7 +1947,7 @@
           <a:p>
             <a:fld id="{530820CF-B880-4189-942D-D702A7CBA730}" type="datetimeFigureOut">
               <a:rPr lang="zh-CN" altLang="en-US" smtClean="0"/>
-              <a:t>2018/4/24</a:t>
+              <a:t>2018/4/25</a:t>
             </a:fld>
             <a:endParaRPr lang="zh-CN" altLang="en-US"/>
           </a:p>
@@ -2218,7 +2219,7 @@
           <a:p>
             <a:fld id="{530820CF-B880-4189-942D-D702A7CBA730}" type="datetimeFigureOut">
               <a:rPr lang="zh-CN" altLang="en-US" smtClean="0"/>
-              <a:t>2018/4/24</a:t>
+              <a:t>2018/4/25</a:t>
             </a:fld>
             <a:endParaRPr lang="zh-CN" altLang="en-US"/>
           </a:p>
@@ -2466,7 +2467,7 @@
           <a:p>
             <a:fld id="{530820CF-B880-4189-942D-D702A7CBA730}" type="datetimeFigureOut">
               <a:rPr lang="zh-CN" altLang="en-US" smtClean="0"/>
-              <a:t>2018/4/24</a:t>
+              <a:t>2018/4/25</a:t>
             </a:fld>
             <a:endParaRPr lang="zh-CN" altLang="en-US"/>
           </a:p>
@@ -2674,7 +2675,7 @@
           <a:p>
             <a:fld id="{530820CF-B880-4189-942D-D702A7CBA730}" type="datetimeFigureOut">
               <a:rPr lang="zh-CN" altLang="en-US" smtClean="0"/>
-              <a:t>2018/4/24</a:t>
+              <a:t>2018/4/25</a:t>
             </a:fld>
             <a:endParaRPr lang="zh-CN" altLang="en-US"/>
           </a:p>
@@ -3165,6 +3166,84 @@
       </p:grpSpPr>
       <p:sp>
         <p:nvSpPr>
+          <p:cNvPr id="3" name="内容占位符 2"/>
+          <p:cNvSpPr>
+            <a:spLocks noGrp="1"/>
+          </p:cNvSpPr>
+          <p:nvPr>
+            <p:ph idx="1"/>
+          </p:nvPr>
+        </p:nvSpPr>
+        <p:spPr>
+          <a:xfrm>
+            <a:off x="467544" y="2204864"/>
+            <a:ext cx="8229600" cy="2376264"/>
+          </a:xfrm>
+        </p:spPr>
+        <p:txBody>
+          <a:bodyPr/>
+          <a:lstStyle/>
+          <a:p>
+            <a:pPr marL="0" indent="0">
+              <a:buNone/>
+            </a:pPr>
+            <a:r>
+              <a:rPr lang="zh-CN" altLang="en-US" dirty="0" smtClean="0"/>
+              <a:t>演示代码地址：</a:t>
+            </a:r>
+            <a:endParaRPr lang="en-US" altLang="zh-CN" dirty="0" smtClean="0"/>
+          </a:p>
+          <a:p>
+            <a:pPr marL="0" indent="0">
+              <a:buNone/>
+            </a:pPr>
+            <a:r>
+              <a:rPr lang="en-US" altLang="zh-CN" dirty="0"/>
+              <a:t>https://github.com/youbeiwuhuan/practice/tree/master/elastic-job-lite</a:t>
+            </a:r>
+            <a:endParaRPr lang="zh-CN" altLang="en-US" dirty="0"/>
+          </a:p>
+        </p:txBody>
+      </p:sp>
+    </p:spTree>
+    <p:extLst>
+      <p:ext uri="{BB962C8B-B14F-4D97-AF65-F5344CB8AC3E}">
+        <p14:creationId xmlns:p14="http://schemas.microsoft.com/office/powerpoint/2010/main" val="3279268841"/>
+      </p:ext>
+    </p:extLst>
+  </p:cSld>
+  <p:clrMapOvr>
+    <a:masterClrMapping/>
+  </p:clrMapOvr>
+  <p:timing>
+    <p:tnLst>
+      <p:par>
+        <p:cTn id="1" dur="indefinite" restart="never" nodeType="tmRoot"/>
+      </p:par>
+    </p:tnLst>
+  </p:timing>
+</p:sld>
+</file>
+
+<file path=ppt/slides/slide11.xml><?xml version="1.0" encoding="utf-8"?>
+<p:sld xmlns:a="http://schemas.openxmlformats.org/drawingml/2006/main" xmlns:r="http://schemas.openxmlformats.org/officeDocument/2006/relationships" xmlns:p="http://schemas.openxmlformats.org/presentationml/2006/main">
+  <p:cSld>
+    <p:spTree>
+      <p:nvGrpSpPr>
+        <p:cNvPr id="1" name=""/>
+        <p:cNvGrpSpPr/>
+        <p:nvPr/>
+      </p:nvGrpSpPr>
+      <p:grpSpPr>
+        <a:xfrm>
+          <a:off x="0" y="0"/>
+          <a:ext cx="0" cy="0"/>
+          <a:chOff x="0" y="0"/>
+          <a:chExt cx="0" cy="0"/>
+        </a:xfrm>
+      </p:grpSpPr>
+      <p:sp>
+        <p:nvSpPr>
           <p:cNvPr id="4" name="标题 3"/>
           <p:cNvSpPr>
             <a:spLocks noGrp="1"/>
@@ -3244,11 +3323,200 @@
           <a:lstStyle/>
           <a:p>
             <a:r>
-              <a:rPr lang="en-US" altLang="zh-CN" b="1" dirty="0" smtClean="0">
+              <a:rPr lang="zh-CN" altLang="en-US" dirty="0"/>
+              <a:t>先</a:t>
+            </a:r>
+            <a:r>
+              <a:rPr lang="zh-CN" altLang="en-US" dirty="0" smtClean="0"/>
+              <a:t>提几个问题</a:t>
+            </a:r>
+            <a:endParaRPr lang="zh-CN" altLang="en-US" dirty="0"/>
+          </a:p>
+        </p:txBody>
+      </p:sp>
+      <p:sp>
+        <p:nvSpPr>
+          <p:cNvPr id="3" name="内容占位符 2"/>
+          <p:cNvSpPr>
+            <a:spLocks noGrp="1"/>
+          </p:cNvSpPr>
+          <p:nvPr>
+            <p:ph idx="1"/>
+          </p:nvPr>
+        </p:nvSpPr>
+        <p:spPr/>
+        <p:txBody>
+          <a:bodyPr>
+            <a:normAutofit fontScale="92500"/>
+          </a:bodyPr>
+          <a:lstStyle/>
+          <a:p>
+            <a:pPr marL="514350" indent="-514350">
+              <a:buFont typeface="+mj-lt"/>
+              <a:buAutoNum type="arabicPeriod"/>
+            </a:pPr>
+            <a:r>
+              <a:rPr lang="zh-CN" altLang="en-US" dirty="0" smtClean="0"/>
+              <a:t>定时任务执行过程中宕机如何补救？</a:t>
+            </a:r>
+            <a:endParaRPr lang="en-US" altLang="zh-CN" dirty="0" smtClean="0"/>
+          </a:p>
+          <a:p>
+            <a:pPr marL="514350" indent="-514350">
+              <a:buFont typeface="+mj-lt"/>
+              <a:buAutoNum type="arabicPeriod"/>
+            </a:pPr>
+            <a:r>
+              <a:rPr lang="zh-CN" altLang="en-US" dirty="0" smtClean="0"/>
+              <a:t>由于线程不足定时任务错过执行如何补救？</a:t>
+            </a:r>
+            <a:endParaRPr lang="en-US" altLang="zh-CN" dirty="0" smtClean="0"/>
+          </a:p>
+          <a:p>
+            <a:pPr marL="514350" indent="-514350">
+              <a:buFont typeface="+mj-lt"/>
+              <a:buAutoNum type="arabicPeriod"/>
+            </a:pPr>
+            <a:r>
+              <a:rPr lang="zh-CN" altLang="en-US" dirty="0" smtClean="0"/>
+              <a:t>如何把一个大的任务拆分成小任务并行执行？</a:t>
+            </a:r>
+            <a:endParaRPr lang="en-US" altLang="zh-CN" dirty="0" smtClean="0"/>
+          </a:p>
+          <a:p>
+            <a:pPr marL="514350" indent="-514350">
+              <a:buFont typeface="+mj-lt"/>
+              <a:buAutoNum type="arabicPeriod"/>
+            </a:pPr>
+            <a:r>
+              <a:rPr lang="zh-CN" altLang="en-US" dirty="0" smtClean="0"/>
+              <a:t>如何实现流式模型的</a:t>
+            </a:r>
+            <a:r>
+              <a:rPr lang="zh-CN" altLang="en-US" dirty="0"/>
+              <a:t>定时任务</a:t>
+            </a:r>
+            <a:r>
+              <a:rPr lang="zh-CN" altLang="en-US" dirty="0" smtClean="0"/>
+              <a:t>？</a:t>
+            </a:r>
+            <a:endParaRPr lang="en-US" altLang="zh-CN" dirty="0" smtClean="0"/>
+          </a:p>
+          <a:p>
+            <a:pPr marL="514350" indent="-514350">
+              <a:buFont typeface="+mj-lt"/>
+              <a:buAutoNum type="arabicPeriod"/>
+            </a:pPr>
+            <a:r>
+              <a:rPr lang="zh-CN" altLang="en-US" dirty="0" smtClean="0"/>
+              <a:t>如何在</a:t>
+            </a:r>
+            <a:r>
+              <a:rPr lang="zh-CN" altLang="en-US" dirty="0"/>
+              <a:t>定时</a:t>
+            </a:r>
+            <a:r>
+              <a:rPr lang="zh-CN" altLang="en-US" dirty="0" smtClean="0"/>
+              <a:t>任务启动后暂停、重启、或修改任务的配置？</a:t>
+            </a:r>
+            <a:endParaRPr lang="en-US" altLang="zh-CN" dirty="0" smtClean="0"/>
+          </a:p>
+          <a:p>
+            <a:pPr marL="514350" indent="-514350">
+              <a:buFont typeface="+mj-lt"/>
+              <a:buAutoNum type="arabicPeriod"/>
+            </a:pPr>
+            <a:r>
+              <a:rPr lang="zh-CN" altLang="en-US" dirty="0" smtClean="0"/>
+              <a:t>如何监控定时任务执行状态？</a:t>
+            </a:r>
+            <a:endParaRPr lang="en-US" altLang="zh-CN" dirty="0" smtClean="0"/>
+          </a:p>
+          <a:p>
+            <a:pPr marL="0" indent="0">
+              <a:buNone/>
+            </a:pPr>
+            <a:r>
+              <a:rPr lang="zh-CN" altLang="en-US" dirty="0" smtClean="0"/>
+              <a:t>以上问题用</a:t>
+            </a:r>
+            <a:r>
+              <a:rPr lang="en-US" altLang="zh-CN" dirty="0" smtClean="0"/>
+              <a:t>spring task</a:t>
+            </a:r>
+            <a:r>
+              <a:rPr lang="zh-CN" altLang="en-US" dirty="0" smtClean="0"/>
+              <a:t>或</a:t>
+            </a:r>
+            <a:r>
+              <a:rPr lang="en-US" altLang="zh-CN" dirty="0" smtClean="0"/>
+              <a:t>quartz</a:t>
+            </a:r>
+            <a:r>
+              <a:rPr lang="zh-CN" altLang="en-US" dirty="0" smtClean="0"/>
+              <a:t>能否解决？</a:t>
+            </a:r>
+            <a:endParaRPr lang="en-US" altLang="zh-CN" dirty="0"/>
+          </a:p>
+          <a:p>
+            <a:pPr marL="0" indent="0">
+              <a:buNone/>
+            </a:pPr>
+            <a:endParaRPr lang="zh-CN" altLang="en-US" dirty="0"/>
+          </a:p>
+        </p:txBody>
+      </p:sp>
+    </p:spTree>
+    <p:extLst>
+      <p:ext uri="{BB962C8B-B14F-4D97-AF65-F5344CB8AC3E}">
+        <p14:creationId xmlns:p14="http://schemas.microsoft.com/office/powerpoint/2010/main" val="1982499504"/>
+      </p:ext>
+    </p:extLst>
+  </p:cSld>
+  <p:clrMapOvr>
+    <a:masterClrMapping/>
+  </p:clrMapOvr>
+</p:sld>
+</file>
+
+<file path=ppt/slides/slide3.xml><?xml version="1.0" encoding="utf-8"?>
+<p:sld xmlns:a="http://schemas.openxmlformats.org/drawingml/2006/main" xmlns:r="http://schemas.openxmlformats.org/officeDocument/2006/relationships" xmlns:p="http://schemas.openxmlformats.org/presentationml/2006/main">
+  <p:cSld>
+    <p:spTree>
+      <p:nvGrpSpPr>
+        <p:cNvPr id="1" name=""/>
+        <p:cNvGrpSpPr/>
+        <p:nvPr/>
+      </p:nvGrpSpPr>
+      <p:grpSpPr>
+        <a:xfrm>
+          <a:off x="0" y="0"/>
+          <a:ext cx="0" cy="0"/>
+          <a:chOff x="0" y="0"/>
+          <a:chExt cx="0" cy="0"/>
+        </a:xfrm>
+      </p:grpSpPr>
+      <p:sp>
+        <p:nvSpPr>
+          <p:cNvPr id="2" name="标题 1"/>
+          <p:cNvSpPr>
+            <a:spLocks noGrp="1"/>
+          </p:cNvSpPr>
+          <p:nvPr>
+            <p:ph type="title"/>
+          </p:nvPr>
+        </p:nvSpPr>
+        <p:spPr/>
+        <p:txBody>
+          <a:bodyPr/>
+          <a:lstStyle/>
+          <a:p>
+            <a:r>
+              <a:rPr lang="en-US" altLang="zh-CN" b="1" dirty="0">
                 <a:latin typeface="微软雅黑" panose="020B0503020204020204" pitchFamily="34" charset="-122"/>
                 <a:ea typeface="微软雅黑" panose="020B0503020204020204" pitchFamily="34" charset="-122"/>
               </a:rPr>
-              <a:t>What</a:t>
+              <a:t>Elastic-Job</a:t>
             </a:r>
             <a:endParaRPr lang="zh-CN" altLang="en-US" b="1" dirty="0">
               <a:latin typeface="微软雅黑" panose="020B0503020204020204" pitchFamily="34" charset="-122"/>
@@ -3299,23 +3567,15 @@
             </a:r>
             <a:r>
               <a:rPr lang="zh-CN" altLang="en-US" dirty="0" smtClean="0"/>
-              <a:t>的开源分布式</a:t>
-            </a:r>
-            <a:r>
-              <a:rPr lang="zh-CN" altLang="en-US" dirty="0" smtClean="0"/>
-              <a:t>任务调度</a:t>
+              <a:t>的开源分布式任务调度</a:t>
             </a:r>
             <a:r>
               <a:rPr lang="zh-CN" altLang="en-US" dirty="0"/>
               <a:t>解决</a:t>
             </a:r>
             <a:r>
-              <a:rPr lang="zh-CN" altLang="en-US" smtClean="0"/>
-              <a:t>方案</a:t>
-            </a:r>
-            <a:r>
-              <a:rPr lang="zh-CN" altLang="en-US" smtClean="0"/>
-              <a:t>；文档十分完整。</a:t>
+              <a:rPr lang="zh-CN" altLang="en-US" dirty="0" smtClean="0"/>
+              <a:t>方案；文档十分完整。</a:t>
             </a:r>
             <a:endParaRPr lang="en-US" altLang="zh-CN" dirty="0" smtClean="0"/>
           </a:p>
@@ -3399,7 +3659,7 @@
 </p:sld>
 </file>
 
-<file path=ppt/slides/slide3.xml><?xml version="1.0" encoding="utf-8"?>
+<file path=ppt/slides/slide4.xml><?xml version="1.0" encoding="utf-8"?>
 <p:sld xmlns:a="http://schemas.openxmlformats.org/drawingml/2006/main" xmlns:r="http://schemas.openxmlformats.org/officeDocument/2006/relationships" xmlns:p="http://schemas.openxmlformats.org/presentationml/2006/main">
   <p:cSld>
     <p:spTree>
@@ -3604,10 +3864,6 @@
               </a:rPr>
               <a:t> 赚啦理财 自如网 走秀网</a:t>
             </a:r>
-            <a:endParaRPr lang="zh-CN" altLang="en-US" b="1" dirty="0">
-              <a:latin typeface="黑体" panose="02010609060101010101" pitchFamily="49" charset="-122"/>
-              <a:ea typeface="黑体" panose="02010609060101010101" pitchFamily="49" charset="-122"/>
-            </a:endParaRPr>
           </a:p>
         </p:txBody>
       </p:sp>
@@ -3624,7 +3880,7 @@
 </p:sld>
 </file>
 
-<file path=ppt/slides/slide4.xml><?xml version="1.0" encoding="utf-8"?>
+<file path=ppt/slides/slide5.xml><?xml version="1.0" encoding="utf-8"?>
 <p:sld xmlns:a="http://schemas.openxmlformats.org/drawingml/2006/main" xmlns:r="http://schemas.openxmlformats.org/officeDocument/2006/relationships" xmlns:p="http://schemas.openxmlformats.org/presentationml/2006/main">
   <p:cSld>
     <p:spTree>
@@ -3768,7 +4024,7 @@
 </p:sld>
 </file>
 
-<file path=ppt/slides/slide5.xml><?xml version="1.0" encoding="utf-8"?>
+<file path=ppt/slides/slide6.xml><?xml version="1.0" encoding="utf-8"?>
 <p:sld xmlns:a="http://schemas.openxmlformats.org/drawingml/2006/main" xmlns:r="http://schemas.openxmlformats.org/officeDocument/2006/relationships" xmlns:p="http://schemas.openxmlformats.org/presentationml/2006/main">
   <p:cSld>
     <p:spTree>
@@ -3915,7 +4171,7 @@
 </p:sld>
 </file>
 
-<file path=ppt/slides/slide6.xml><?xml version="1.0" encoding="utf-8"?>
+<file path=ppt/slides/slide7.xml><?xml version="1.0" encoding="utf-8"?>
 <p:sld xmlns:a="http://schemas.openxmlformats.org/drawingml/2006/main" xmlns:r="http://schemas.openxmlformats.org/officeDocument/2006/relationships" xmlns:p="http://schemas.openxmlformats.org/presentationml/2006/main">
   <p:cSld>
     <p:spTree>
@@ -4029,105 +4285,6 @@
 </p:sld>
 </file>
 
-<file path=ppt/slides/slide7.xml><?xml version="1.0" encoding="utf-8"?>
-<p:sld xmlns:a="http://schemas.openxmlformats.org/drawingml/2006/main" xmlns:r="http://schemas.openxmlformats.org/officeDocument/2006/relationships" xmlns:p="http://schemas.openxmlformats.org/presentationml/2006/main">
-  <p:cSld>
-    <p:spTree>
-      <p:nvGrpSpPr>
-        <p:cNvPr id="1" name=""/>
-        <p:cNvGrpSpPr/>
-        <p:nvPr/>
-      </p:nvGrpSpPr>
-      <p:grpSpPr>
-        <a:xfrm>
-          <a:off x="0" y="0"/>
-          <a:ext cx="0" cy="0"/>
-          <a:chOff x="0" y="0"/>
-          <a:chExt cx="0" cy="0"/>
-        </a:xfrm>
-      </p:grpSpPr>
-      <p:sp>
-        <p:nvSpPr>
-          <p:cNvPr id="2" name="标题 1"/>
-          <p:cNvSpPr>
-            <a:spLocks noGrp="1"/>
-          </p:cNvSpPr>
-          <p:nvPr>
-            <p:ph type="title"/>
-          </p:nvPr>
-        </p:nvSpPr>
-        <p:spPr/>
-        <p:txBody>
-          <a:bodyPr/>
-          <a:lstStyle/>
-          <a:p>
-            <a:r>
-              <a:rPr lang="zh-CN" altLang="en-US" dirty="0"/>
-              <a:t>实现</a:t>
-            </a:r>
-            <a:r>
-              <a:rPr lang="zh-CN" altLang="en-US" dirty="0" smtClean="0"/>
-              <a:t>原理</a:t>
-            </a:r>
-            <a:endParaRPr lang="zh-CN" altLang="en-US" dirty="0"/>
-          </a:p>
-        </p:txBody>
-      </p:sp>
-      <p:sp>
-        <p:nvSpPr>
-          <p:cNvPr id="3" name="内容占位符 2"/>
-          <p:cNvSpPr>
-            <a:spLocks noGrp="1"/>
-          </p:cNvSpPr>
-          <p:nvPr>
-            <p:ph idx="1"/>
-          </p:nvPr>
-        </p:nvSpPr>
-        <p:spPr/>
-        <p:txBody>
-          <a:bodyPr/>
-          <a:lstStyle/>
-          <a:p>
-            <a:pPr marL="0" indent="0">
-              <a:buNone/>
-            </a:pPr>
-            <a:endParaRPr lang="en-US" altLang="zh-CN" dirty="0" smtClean="0"/>
-          </a:p>
-          <a:p>
-            <a:pPr marL="0" indent="0">
-              <a:buNone/>
-            </a:pPr>
-            <a:endParaRPr lang="en-US" altLang="zh-CN" dirty="0"/>
-          </a:p>
-          <a:p>
-            <a:pPr marL="0" indent="0">
-              <a:buNone/>
-            </a:pPr>
-            <a:r>
-              <a:rPr lang="en-US" altLang="zh-CN" dirty="0" smtClean="0"/>
-              <a:t>http</a:t>
-            </a:r>
-            <a:r>
-              <a:rPr lang="en-US" altLang="zh-CN" dirty="0"/>
-              <a:t>://elasticjob.io/docs/elastic-job-lite/03-design/lite-design/</a:t>
-            </a:r>
-            <a:endParaRPr lang="zh-CN" altLang="en-US" dirty="0"/>
-          </a:p>
-        </p:txBody>
-      </p:sp>
-    </p:spTree>
-    <p:extLst>
-      <p:ext uri="{BB962C8B-B14F-4D97-AF65-F5344CB8AC3E}">
-        <p14:creationId xmlns:p14="http://schemas.microsoft.com/office/powerpoint/2010/main" val="81610546"/>
-      </p:ext>
-    </p:extLst>
-  </p:cSld>
-  <p:clrMapOvr>
-    <a:masterClrMapping/>
-  </p:clrMapOvr>
-</p:sld>
-</file>
-
 <file path=ppt/slides/slide8.xml><?xml version="1.0" encoding="utf-8"?>
 <p:sld xmlns:a="http://schemas.openxmlformats.org/drawingml/2006/main" xmlns:r="http://schemas.openxmlformats.org/officeDocument/2006/relationships" xmlns:p="http://schemas.openxmlformats.org/presentationml/2006/main">
   <p:cSld>
@@ -4155,48 +4312,61 @@
             <p:ph type="title"/>
           </p:nvPr>
         </p:nvSpPr>
-        <p:spPr>
-          <a:xfrm>
-            <a:off x="467544" y="1916832"/>
-            <a:ext cx="8229600" cy="3096344"/>
-          </a:xfrm>
-        </p:spPr>
-        <p:txBody>
-          <a:bodyPr>
-            <a:normAutofit/>
-          </a:bodyPr>
-          <a:lstStyle/>
-          <a:p>
+        <p:spPr/>
+        <p:txBody>
+          <a:bodyPr/>
+          <a:lstStyle/>
+          <a:p>
+            <a:r>
+              <a:rPr lang="zh-CN" altLang="en-US" dirty="0"/>
+              <a:t>实现</a:t>
+            </a:r>
             <a:r>
               <a:rPr lang="zh-CN" altLang="en-US" dirty="0" smtClean="0"/>
-              <a:t>如何使用？</a:t>
-            </a:r>
+              <a:t>原理</a:t>
+            </a:r>
+            <a:endParaRPr lang="zh-CN" altLang="en-US" dirty="0"/>
+          </a:p>
+        </p:txBody>
+      </p:sp>
+      <p:sp>
+        <p:nvSpPr>
+          <p:cNvPr id="3" name="内容占位符 2"/>
+          <p:cNvSpPr>
+            <a:spLocks noGrp="1"/>
+          </p:cNvSpPr>
+          <p:nvPr>
+            <p:ph idx="1"/>
+          </p:nvPr>
+        </p:nvSpPr>
+        <p:spPr/>
+        <p:txBody>
+          <a:bodyPr/>
+          <a:lstStyle/>
+          <a:p>
+            <a:pPr marL="0" indent="0">
+              <a:buNone/>
+            </a:pPr>
+            <a:endParaRPr lang="en-US" altLang="zh-CN" dirty="0" smtClean="0"/>
+          </a:p>
+          <a:p>
+            <a:pPr marL="0" indent="0">
+              <a:buNone/>
+            </a:pPr>
+            <a:endParaRPr lang="en-US" altLang="zh-CN" dirty="0"/>
+          </a:p>
+          <a:p>
+            <a:pPr marL="0" indent="0">
+              <a:buNone/>
+            </a:pPr>
             <a:r>
               <a:rPr lang="en-US" altLang="zh-CN" dirty="0" smtClean="0"/>
-              <a:t/>
-            </a:r>
-            <a:br>
-              <a:rPr lang="en-US" altLang="zh-CN" dirty="0" smtClean="0"/>
-            </a:br>
-            <a:r>
-              <a:rPr lang="en-US" altLang="zh-CN" dirty="0" smtClean="0"/>
-              <a:t>Elastic-Job-Lite</a:t>
-            </a:r>
-            <a:r>
-              <a:rPr lang="zh-CN" altLang="en-US" dirty="0" smtClean="0"/>
-              <a:t>为</a:t>
-            </a:r>
-            <a:r>
-              <a:rPr lang="zh-CN" altLang="en-US" dirty="0" smtClean="0"/>
-              <a:t>例</a:t>
-            </a:r>
-            <a:r>
-              <a:rPr lang="en-US" altLang="zh-CN" dirty="0" smtClean="0"/>
-              <a:t/>
-            </a:r>
-            <a:br>
-              <a:rPr lang="en-US" altLang="zh-CN" dirty="0" smtClean="0"/>
-            </a:br>
+              <a:t>http</a:t>
+            </a:r>
+            <a:r>
+              <a:rPr lang="en-US" altLang="zh-CN" dirty="0"/>
+              <a:t>://elasticjob.io/docs/elastic-job-lite/03-design/lite-design/</a:t>
+            </a:r>
             <a:endParaRPr lang="zh-CN" altLang="en-US" dirty="0"/>
           </a:p>
         </p:txBody>
@@ -4204,20 +4374,13 @@
     </p:spTree>
     <p:extLst>
       <p:ext uri="{BB962C8B-B14F-4D97-AF65-F5344CB8AC3E}">
-        <p14:creationId xmlns:p14="http://schemas.microsoft.com/office/powerpoint/2010/main" val="2983407961"/>
+        <p14:creationId xmlns:p14="http://schemas.microsoft.com/office/powerpoint/2010/main" val="81610546"/>
       </p:ext>
     </p:extLst>
   </p:cSld>
   <p:clrMapOvr>
     <a:masterClrMapping/>
   </p:clrMapOvr>
-  <p:timing>
-    <p:tnLst>
-      <p:par>
-        <p:cTn id="1" dur="indefinite" restart="never" nodeType="tmRoot"/>
-      </p:par>
-    </p:tnLst>
-  </p:timing>
 </p:sld>
 </file>
 
@@ -4240,41 +4403,52 @@
       </p:grpSpPr>
       <p:sp>
         <p:nvSpPr>
-          <p:cNvPr id="3" name="内容占位符 2"/>
-          <p:cNvSpPr>
-            <a:spLocks noGrp="1"/>
-          </p:cNvSpPr>
-          <p:nvPr>
-            <p:ph idx="1"/>
+          <p:cNvPr id="2" name="标题 1"/>
+          <p:cNvSpPr>
+            <a:spLocks noGrp="1"/>
+          </p:cNvSpPr>
+          <p:nvPr>
+            <p:ph type="title"/>
           </p:nvPr>
         </p:nvSpPr>
         <p:spPr>
           <a:xfrm>
-            <a:off x="467544" y="2204864"/>
-            <a:ext cx="8229600" cy="2376264"/>
+            <a:off x="467544" y="1916832"/>
+            <a:ext cx="8229600" cy="3096344"/>
           </a:xfrm>
         </p:spPr>
         <p:txBody>
-          <a:bodyPr/>
-          <a:lstStyle/>
-          <a:p>
-            <a:pPr marL="0" indent="0">
-              <a:buNone/>
-            </a:pPr>
+          <a:bodyPr>
+            <a:normAutofit/>
+          </a:bodyPr>
+          <a:lstStyle/>
+          <a:p>
             <a:r>
               <a:rPr lang="zh-CN" altLang="en-US" dirty="0" smtClean="0"/>
-              <a:t>演示代码地址：</a:t>
-            </a:r>
-            <a:endParaRPr lang="en-US" altLang="zh-CN" dirty="0" smtClean="0"/>
-          </a:p>
-          <a:p>
-            <a:pPr marL="0" indent="0">
-              <a:buNone/>
-            </a:pPr>
-            <a:r>
-              <a:rPr lang="en-US" altLang="zh-CN" dirty="0"/>
-              <a:t>https://github.com/youbeiwuhuan/practice/tree/master/elastic-job-lite</a:t>
-            </a:r>
+              <a:t>如何使用？</a:t>
+            </a:r>
+            <a:r>
+              <a:rPr lang="en-US" altLang="zh-CN" dirty="0" smtClean="0"/>
+              <a:t/>
+            </a:r>
+            <a:br>
+              <a:rPr lang="en-US" altLang="zh-CN" dirty="0" smtClean="0"/>
+            </a:br>
+            <a:r>
+              <a:rPr lang="en-US" altLang="zh-CN" dirty="0" smtClean="0"/>
+              <a:t>Elastic-Job-Lite</a:t>
+            </a:r>
+            <a:r>
+              <a:rPr lang="zh-CN" altLang="en-US" dirty="0" smtClean="0"/>
+              <a:t>为例</a:t>
+            </a:r>
+            <a:r>
+              <a:rPr lang="en-US" altLang="zh-CN" dirty="0" smtClean="0"/>
+              <a:t/>
+            </a:r>
+            <a:br>
+              <a:rPr lang="en-US" altLang="zh-CN" dirty="0" smtClean="0"/>
+            </a:br>
             <a:endParaRPr lang="zh-CN" altLang="en-US" dirty="0"/>
           </a:p>
         </p:txBody>
@@ -4282,7 +4456,7 @@
     </p:spTree>
     <p:extLst>
       <p:ext uri="{BB962C8B-B14F-4D97-AF65-F5344CB8AC3E}">
-        <p14:creationId xmlns:p14="http://schemas.microsoft.com/office/powerpoint/2010/main" val="3279268841"/>
+        <p14:creationId xmlns:p14="http://schemas.microsoft.com/office/powerpoint/2010/main" val="2983407961"/>
       </p:ext>
     </p:extLst>
   </p:cSld>

--- a/elastic-job-lite/elastic-job.pptx
+++ b/elastic-job-lite/elastic-job.pptx
@@ -3181,7 +3181,9 @@
           </a:xfrm>
         </p:spPr>
         <p:txBody>
-          <a:bodyPr/>
+          <a:bodyPr>
+            <a:normAutofit fontScale="85000" lnSpcReduction="20000"/>
+          </a:bodyPr>
           <a:lstStyle/>
           <a:p>
             <a:pPr marL="0" indent="0">
@@ -3198,9 +3200,55 @@
               <a:buNone/>
             </a:pPr>
             <a:r>
-              <a:rPr lang="en-US" altLang="zh-CN" dirty="0"/>
-              <a:t>https://github.com/youbeiwuhuan/practice/tree/master/elastic-job-lite</a:t>
-            </a:r>
+              <a:rPr lang="en-US" altLang="zh-CN" dirty="0">
+                <a:hlinkClick r:id="rId2"/>
+              </a:rPr>
+              <a:t>https://</a:t>
+            </a:r>
+            <a:r>
+              <a:rPr lang="en-US" altLang="zh-CN" dirty="0" smtClean="0">
+                <a:hlinkClick r:id="rId2"/>
+              </a:rPr>
+              <a:t>github.com/youbeiwuhuan/practice/tree/master/elastic-job-lite</a:t>
+            </a:r>
+            <a:endParaRPr lang="en-US" altLang="zh-CN" dirty="0" smtClean="0"/>
+          </a:p>
+          <a:p>
+            <a:pPr marL="0" indent="0">
+              <a:buNone/>
+            </a:pPr>
+            <a:endParaRPr lang="en-US" altLang="zh-CN" dirty="0"/>
+          </a:p>
+          <a:p>
+            <a:pPr marL="0" indent="0">
+              <a:buNone/>
+            </a:pPr>
+            <a:r>
+              <a:rPr lang="en-US" altLang="zh-CN" dirty="0" smtClean="0"/>
+              <a:t>Elastic-job </a:t>
+            </a:r>
+            <a:r>
+              <a:rPr lang="zh-CN" altLang="en-US" dirty="0" smtClean="0"/>
+              <a:t>官方文档：</a:t>
+            </a:r>
+            <a:r>
+              <a:rPr lang="en-US" altLang="zh-CN" dirty="0">
+                <a:hlinkClick r:id="rId3"/>
+              </a:rPr>
+              <a:t>http://elasticjob.io/docs/elastic-job-lite/01-start/dev-guide</a:t>
+            </a:r>
+            <a:r>
+              <a:rPr lang="en-US" altLang="zh-CN" dirty="0" smtClean="0">
+                <a:hlinkClick r:id="rId3"/>
+              </a:rPr>
+              <a:t>/</a:t>
+            </a:r>
+            <a:endParaRPr lang="en-US" altLang="zh-CN" dirty="0" smtClean="0"/>
+          </a:p>
+          <a:p>
+            <a:pPr marL="0" indent="0">
+              <a:buNone/>
+            </a:pPr>
             <a:endParaRPr lang="zh-CN" altLang="en-US" dirty="0"/>
           </a:p>
         </p:txBody>
@@ -3347,9 +3395,28 @@
         <p:spPr/>
         <p:txBody>
           <a:bodyPr>
-            <a:normAutofit fontScale="92500"/>
+            <a:normAutofit fontScale="92500" lnSpcReduction="20000"/>
           </a:bodyPr>
           <a:lstStyle/>
+          <a:p>
+            <a:pPr marL="514350" indent="-514350">
+              <a:buFont typeface="+mj-lt"/>
+              <a:buAutoNum type="arabicPeriod"/>
+            </a:pPr>
+            <a:r>
+              <a:rPr lang="zh-CN" altLang="en-US" dirty="0"/>
+              <a:t>定时任务</a:t>
+            </a:r>
+            <a:r>
+              <a:rPr lang="zh-CN" altLang="en-US" dirty="0" smtClean="0"/>
+              <a:t>部署多台机器如何保证任务不</a:t>
+            </a:r>
+            <a:r>
+              <a:rPr lang="zh-CN" altLang="en-US" smtClean="0"/>
+              <a:t>重复执行？</a:t>
+            </a:r>
+            <a:endParaRPr lang="en-US" altLang="zh-CN" dirty="0" smtClean="0"/>
+          </a:p>
           <a:p>
             <a:pPr marL="514350" indent="-514350">
               <a:buFont typeface="+mj-lt"/>
